--- a/cse106/slides/5.Relations.pptx
+++ b/cse106/slides/5.Relations.pptx
@@ -183,7 +183,7 @@
           <p:cNvPr id="2" name="Title 1">
             <a:extLst>
               <a:ext uri="{FF2B5EF4-FFF2-40B4-BE49-F238E27FC236}">
-                <a16:creationId xmlns="" xmlns:a16="http://schemas.microsoft.com/office/drawing/2014/main" id="{90852FDB-C65D-41E9-89C2-C530EF2B4746}"/>
+                <a16:creationId xmlns:a16="http://schemas.microsoft.com/office/drawing/2014/main" xmlns="" id="{90852FDB-C65D-41E9-89C2-C530EF2B4746}"/>
               </a:ext>
             </a:extLst>
           </p:cNvPr>
@@ -220,7 +220,7 @@
           <p:cNvPr id="3" name="Subtitle 2">
             <a:extLst>
               <a:ext uri="{FF2B5EF4-FFF2-40B4-BE49-F238E27FC236}">
-                <a16:creationId xmlns="" xmlns:a16="http://schemas.microsoft.com/office/drawing/2014/main" id="{8CAEEF26-7C22-4F4D-8311-CA7D08600B83}"/>
+                <a16:creationId xmlns:a16="http://schemas.microsoft.com/office/drawing/2014/main" xmlns="" id="{8CAEEF26-7C22-4F4D-8311-CA7D08600B83}"/>
               </a:ext>
             </a:extLst>
           </p:cNvPr>
@@ -290,7 +290,7 @@
           <p:cNvPr id="4" name="Date Placeholder 3">
             <a:extLst>
               <a:ext uri="{FF2B5EF4-FFF2-40B4-BE49-F238E27FC236}">
-                <a16:creationId xmlns="" xmlns:a16="http://schemas.microsoft.com/office/drawing/2014/main" id="{D4FED0D7-458C-455E-8544-7F4FB227E4EF}"/>
+                <a16:creationId xmlns:a16="http://schemas.microsoft.com/office/drawing/2014/main" xmlns="" id="{D4FED0D7-458C-455E-8544-7F4FB227E4EF}"/>
               </a:ext>
             </a:extLst>
           </p:cNvPr>
@@ -308,7 +308,7 @@
           <a:p>
             <a:fld id="{072FDDB4-F553-424D-81C5-266A1B530A90}" type="datetimeFigureOut">
               <a:rPr lang="en-US" smtClean="0"/>
-              <a:t>8/12/2020</a:t>
+              <a:t>8/17/2020</a:t>
             </a:fld>
             <a:endParaRPr lang="en-US"/>
           </a:p>
@@ -319,7 +319,7 @@
           <p:cNvPr id="5" name="Footer Placeholder 4">
             <a:extLst>
               <a:ext uri="{FF2B5EF4-FFF2-40B4-BE49-F238E27FC236}">
-                <a16:creationId xmlns="" xmlns:a16="http://schemas.microsoft.com/office/drawing/2014/main" id="{724BE479-F30A-42AD-9F57-F69961CF74EC}"/>
+                <a16:creationId xmlns:a16="http://schemas.microsoft.com/office/drawing/2014/main" xmlns="" id="{724BE479-F30A-42AD-9F57-F69961CF74EC}"/>
               </a:ext>
             </a:extLst>
           </p:cNvPr>
@@ -344,7 +344,7 @@
           <p:cNvPr id="6" name="Slide Number Placeholder 5">
             <a:extLst>
               <a:ext uri="{FF2B5EF4-FFF2-40B4-BE49-F238E27FC236}">
-                <a16:creationId xmlns="" xmlns:a16="http://schemas.microsoft.com/office/drawing/2014/main" id="{77E6237C-6508-45AC-A65A-8988FEA37170}"/>
+                <a16:creationId xmlns:a16="http://schemas.microsoft.com/office/drawing/2014/main" xmlns="" id="{77E6237C-6508-45AC-A65A-8988FEA37170}"/>
               </a:ext>
             </a:extLst>
           </p:cNvPr>
@@ -403,7 +403,7 @@
           <p:cNvPr id="2" name="Title 1">
             <a:extLst>
               <a:ext uri="{FF2B5EF4-FFF2-40B4-BE49-F238E27FC236}">
-                <a16:creationId xmlns="" xmlns:a16="http://schemas.microsoft.com/office/drawing/2014/main" id="{EAC09935-CB0F-4147-B42A-ED3B9F1E3CDA}"/>
+                <a16:creationId xmlns:a16="http://schemas.microsoft.com/office/drawing/2014/main" xmlns="" id="{EAC09935-CB0F-4147-B42A-ED3B9F1E3CDA}"/>
               </a:ext>
             </a:extLst>
           </p:cNvPr>
@@ -431,7 +431,7 @@
           <p:cNvPr id="3" name="Vertical Text Placeholder 2">
             <a:extLst>
               <a:ext uri="{FF2B5EF4-FFF2-40B4-BE49-F238E27FC236}">
-                <a16:creationId xmlns="" xmlns:a16="http://schemas.microsoft.com/office/drawing/2014/main" id="{7019B112-47D9-477E-8F70-56F30DEC2565}"/>
+                <a16:creationId xmlns:a16="http://schemas.microsoft.com/office/drawing/2014/main" xmlns="" id="{7019B112-47D9-477E-8F70-56F30DEC2565}"/>
               </a:ext>
             </a:extLst>
           </p:cNvPr>
@@ -488,7 +488,7 @@
           <p:cNvPr id="4" name="Date Placeholder 3">
             <a:extLst>
               <a:ext uri="{FF2B5EF4-FFF2-40B4-BE49-F238E27FC236}">
-                <a16:creationId xmlns="" xmlns:a16="http://schemas.microsoft.com/office/drawing/2014/main" id="{B0C16462-43A1-462A-AE45-0EF834CF4802}"/>
+                <a16:creationId xmlns:a16="http://schemas.microsoft.com/office/drawing/2014/main" xmlns="" id="{B0C16462-43A1-462A-AE45-0EF834CF4802}"/>
               </a:ext>
             </a:extLst>
           </p:cNvPr>
@@ -506,7 +506,7 @@
           <a:p>
             <a:fld id="{072FDDB4-F553-424D-81C5-266A1B530A90}" type="datetimeFigureOut">
               <a:rPr lang="en-US" smtClean="0"/>
-              <a:t>8/12/2020</a:t>
+              <a:t>8/17/2020</a:t>
             </a:fld>
             <a:endParaRPr lang="en-US"/>
           </a:p>
@@ -517,7 +517,7 @@
           <p:cNvPr id="5" name="Footer Placeholder 4">
             <a:extLst>
               <a:ext uri="{FF2B5EF4-FFF2-40B4-BE49-F238E27FC236}">
-                <a16:creationId xmlns="" xmlns:a16="http://schemas.microsoft.com/office/drawing/2014/main" id="{509A7AE0-42F4-434A-A672-3BF167C6D54C}"/>
+                <a16:creationId xmlns:a16="http://schemas.microsoft.com/office/drawing/2014/main" xmlns="" id="{509A7AE0-42F4-434A-A672-3BF167C6D54C}"/>
               </a:ext>
             </a:extLst>
           </p:cNvPr>
@@ -542,7 +542,7 @@
           <p:cNvPr id="6" name="Slide Number Placeholder 5">
             <a:extLst>
               <a:ext uri="{FF2B5EF4-FFF2-40B4-BE49-F238E27FC236}">
-                <a16:creationId xmlns="" xmlns:a16="http://schemas.microsoft.com/office/drawing/2014/main" id="{3A77513D-7167-431D-9243-B45CAF3522DD}"/>
+                <a16:creationId xmlns:a16="http://schemas.microsoft.com/office/drawing/2014/main" xmlns="" id="{3A77513D-7167-431D-9243-B45CAF3522DD}"/>
               </a:ext>
             </a:extLst>
           </p:cNvPr>
@@ -601,7 +601,7 @@
           <p:cNvPr id="2" name="Vertical Title 1">
             <a:extLst>
               <a:ext uri="{FF2B5EF4-FFF2-40B4-BE49-F238E27FC236}">
-                <a16:creationId xmlns="" xmlns:a16="http://schemas.microsoft.com/office/drawing/2014/main" id="{181DC520-FEA9-492D-A282-4EB0B653B1F0}"/>
+                <a16:creationId xmlns:a16="http://schemas.microsoft.com/office/drawing/2014/main" xmlns="" id="{181DC520-FEA9-492D-A282-4EB0B653B1F0}"/>
               </a:ext>
             </a:extLst>
           </p:cNvPr>
@@ -634,7 +634,7 @@
           <p:cNvPr id="3" name="Vertical Text Placeholder 2">
             <a:extLst>
               <a:ext uri="{FF2B5EF4-FFF2-40B4-BE49-F238E27FC236}">
-                <a16:creationId xmlns="" xmlns:a16="http://schemas.microsoft.com/office/drawing/2014/main" id="{D7E4A549-EDB1-49AE-91E7-4B9F9B07A1B4}"/>
+                <a16:creationId xmlns:a16="http://schemas.microsoft.com/office/drawing/2014/main" xmlns="" id="{D7E4A549-EDB1-49AE-91E7-4B9F9B07A1B4}"/>
               </a:ext>
             </a:extLst>
           </p:cNvPr>
@@ -696,7 +696,7 @@
           <p:cNvPr id="4" name="Date Placeholder 3">
             <a:extLst>
               <a:ext uri="{FF2B5EF4-FFF2-40B4-BE49-F238E27FC236}">
-                <a16:creationId xmlns="" xmlns:a16="http://schemas.microsoft.com/office/drawing/2014/main" id="{E2A75A99-64FD-4982-B025-60A2A3AD1BD5}"/>
+                <a16:creationId xmlns:a16="http://schemas.microsoft.com/office/drawing/2014/main" xmlns="" id="{E2A75A99-64FD-4982-B025-60A2A3AD1BD5}"/>
               </a:ext>
             </a:extLst>
           </p:cNvPr>
@@ -714,7 +714,7 @@
           <a:p>
             <a:fld id="{072FDDB4-F553-424D-81C5-266A1B530A90}" type="datetimeFigureOut">
               <a:rPr lang="en-US" smtClean="0"/>
-              <a:t>8/12/2020</a:t>
+              <a:t>8/17/2020</a:t>
             </a:fld>
             <a:endParaRPr lang="en-US"/>
           </a:p>
@@ -725,7 +725,7 @@
           <p:cNvPr id="5" name="Footer Placeholder 4">
             <a:extLst>
               <a:ext uri="{FF2B5EF4-FFF2-40B4-BE49-F238E27FC236}">
-                <a16:creationId xmlns="" xmlns:a16="http://schemas.microsoft.com/office/drawing/2014/main" id="{192E719E-62FE-4BDD-B1A9-3903FF70DC69}"/>
+                <a16:creationId xmlns:a16="http://schemas.microsoft.com/office/drawing/2014/main" xmlns="" id="{192E719E-62FE-4BDD-B1A9-3903FF70DC69}"/>
               </a:ext>
             </a:extLst>
           </p:cNvPr>
@@ -750,7 +750,7 @@
           <p:cNvPr id="6" name="Slide Number Placeholder 5">
             <a:extLst>
               <a:ext uri="{FF2B5EF4-FFF2-40B4-BE49-F238E27FC236}">
-                <a16:creationId xmlns="" xmlns:a16="http://schemas.microsoft.com/office/drawing/2014/main" id="{BC660DEE-60E9-491D-BCCD-66BF7BBEB59B}"/>
+                <a16:creationId xmlns:a16="http://schemas.microsoft.com/office/drawing/2014/main" xmlns="" id="{BC660DEE-60E9-491D-BCCD-66BF7BBEB59B}"/>
               </a:ext>
             </a:extLst>
           </p:cNvPr>
@@ -809,7 +809,7 @@
           <p:cNvPr id="2" name="Title 1">
             <a:extLst>
               <a:ext uri="{FF2B5EF4-FFF2-40B4-BE49-F238E27FC236}">
-                <a16:creationId xmlns="" xmlns:a16="http://schemas.microsoft.com/office/drawing/2014/main" id="{EAF828E4-CD31-4E08-9042-18A54834AA62}"/>
+                <a16:creationId xmlns:a16="http://schemas.microsoft.com/office/drawing/2014/main" xmlns="" id="{EAF828E4-CD31-4E08-9042-18A54834AA62}"/>
               </a:ext>
             </a:extLst>
           </p:cNvPr>
@@ -837,7 +837,7 @@
           <p:cNvPr id="3" name="Content Placeholder 2">
             <a:extLst>
               <a:ext uri="{FF2B5EF4-FFF2-40B4-BE49-F238E27FC236}">
-                <a16:creationId xmlns="" xmlns:a16="http://schemas.microsoft.com/office/drawing/2014/main" id="{8BA8D670-48EE-4E79-9632-ED6C0C65FA34}"/>
+                <a16:creationId xmlns:a16="http://schemas.microsoft.com/office/drawing/2014/main" xmlns="" id="{8BA8D670-48EE-4E79-9632-ED6C0C65FA34}"/>
               </a:ext>
             </a:extLst>
           </p:cNvPr>
@@ -894,7 +894,7 @@
           <p:cNvPr id="4" name="Date Placeholder 3">
             <a:extLst>
               <a:ext uri="{FF2B5EF4-FFF2-40B4-BE49-F238E27FC236}">
-                <a16:creationId xmlns="" xmlns:a16="http://schemas.microsoft.com/office/drawing/2014/main" id="{D426F468-0AD5-4234-B33C-A5A21E0E6E8F}"/>
+                <a16:creationId xmlns:a16="http://schemas.microsoft.com/office/drawing/2014/main" xmlns="" id="{D426F468-0AD5-4234-B33C-A5A21E0E6E8F}"/>
               </a:ext>
             </a:extLst>
           </p:cNvPr>
@@ -912,7 +912,7 @@
           <a:p>
             <a:fld id="{072FDDB4-F553-424D-81C5-266A1B530A90}" type="datetimeFigureOut">
               <a:rPr lang="en-US" smtClean="0"/>
-              <a:t>8/12/2020</a:t>
+              <a:t>8/17/2020</a:t>
             </a:fld>
             <a:endParaRPr lang="en-US"/>
           </a:p>
@@ -923,7 +923,7 @@
           <p:cNvPr id="5" name="Footer Placeholder 4">
             <a:extLst>
               <a:ext uri="{FF2B5EF4-FFF2-40B4-BE49-F238E27FC236}">
-                <a16:creationId xmlns="" xmlns:a16="http://schemas.microsoft.com/office/drawing/2014/main" id="{F07F4839-FB68-485F-8927-47F468A813F9}"/>
+                <a16:creationId xmlns:a16="http://schemas.microsoft.com/office/drawing/2014/main" xmlns="" id="{F07F4839-FB68-485F-8927-47F468A813F9}"/>
               </a:ext>
             </a:extLst>
           </p:cNvPr>
@@ -948,7 +948,7 @@
           <p:cNvPr id="6" name="Slide Number Placeholder 5">
             <a:extLst>
               <a:ext uri="{FF2B5EF4-FFF2-40B4-BE49-F238E27FC236}">
-                <a16:creationId xmlns="" xmlns:a16="http://schemas.microsoft.com/office/drawing/2014/main" id="{465E2014-BE1B-4729-A66C-3BD8CAB2813E}"/>
+                <a16:creationId xmlns:a16="http://schemas.microsoft.com/office/drawing/2014/main" xmlns="" id="{465E2014-BE1B-4729-A66C-3BD8CAB2813E}"/>
               </a:ext>
             </a:extLst>
           </p:cNvPr>
@@ -1007,7 +1007,7 @@
           <p:cNvPr id="2" name="Title 1">
             <a:extLst>
               <a:ext uri="{FF2B5EF4-FFF2-40B4-BE49-F238E27FC236}">
-                <a16:creationId xmlns="" xmlns:a16="http://schemas.microsoft.com/office/drawing/2014/main" id="{A782AB2D-E870-419D-97BC-61742125C13F}"/>
+                <a16:creationId xmlns:a16="http://schemas.microsoft.com/office/drawing/2014/main" xmlns="" id="{A782AB2D-E870-419D-97BC-61742125C13F}"/>
               </a:ext>
             </a:extLst>
           </p:cNvPr>
@@ -1044,7 +1044,7 @@
           <p:cNvPr id="3" name="Text Placeholder 2">
             <a:extLst>
               <a:ext uri="{FF2B5EF4-FFF2-40B4-BE49-F238E27FC236}">
-                <a16:creationId xmlns="" xmlns:a16="http://schemas.microsoft.com/office/drawing/2014/main" id="{A5A07E9E-5920-4D15-94AB-989A48360C3E}"/>
+                <a16:creationId xmlns:a16="http://schemas.microsoft.com/office/drawing/2014/main" xmlns="" id="{A5A07E9E-5920-4D15-94AB-989A48360C3E}"/>
               </a:ext>
             </a:extLst>
           </p:cNvPr>
@@ -1169,7 +1169,7 @@
           <p:cNvPr id="4" name="Date Placeholder 3">
             <a:extLst>
               <a:ext uri="{FF2B5EF4-FFF2-40B4-BE49-F238E27FC236}">
-                <a16:creationId xmlns="" xmlns:a16="http://schemas.microsoft.com/office/drawing/2014/main" id="{79CB3C6E-1A37-41A5-A05B-7046DE330FDB}"/>
+                <a16:creationId xmlns:a16="http://schemas.microsoft.com/office/drawing/2014/main" xmlns="" id="{79CB3C6E-1A37-41A5-A05B-7046DE330FDB}"/>
               </a:ext>
             </a:extLst>
           </p:cNvPr>
@@ -1187,7 +1187,7 @@
           <a:p>
             <a:fld id="{072FDDB4-F553-424D-81C5-266A1B530A90}" type="datetimeFigureOut">
               <a:rPr lang="en-US" smtClean="0"/>
-              <a:t>8/12/2020</a:t>
+              <a:t>8/17/2020</a:t>
             </a:fld>
             <a:endParaRPr lang="en-US"/>
           </a:p>
@@ -1198,7 +1198,7 @@
           <p:cNvPr id="5" name="Footer Placeholder 4">
             <a:extLst>
               <a:ext uri="{FF2B5EF4-FFF2-40B4-BE49-F238E27FC236}">
-                <a16:creationId xmlns="" xmlns:a16="http://schemas.microsoft.com/office/drawing/2014/main" id="{45ADBC4C-8B94-4DFB-9121-41A7345506AC}"/>
+                <a16:creationId xmlns:a16="http://schemas.microsoft.com/office/drawing/2014/main" xmlns="" id="{45ADBC4C-8B94-4DFB-9121-41A7345506AC}"/>
               </a:ext>
             </a:extLst>
           </p:cNvPr>
@@ -1223,7 +1223,7 @@
           <p:cNvPr id="6" name="Slide Number Placeholder 5">
             <a:extLst>
               <a:ext uri="{FF2B5EF4-FFF2-40B4-BE49-F238E27FC236}">
-                <a16:creationId xmlns="" xmlns:a16="http://schemas.microsoft.com/office/drawing/2014/main" id="{9C92F611-984C-4700-8F37-9E1549C6F5A0}"/>
+                <a16:creationId xmlns:a16="http://schemas.microsoft.com/office/drawing/2014/main" xmlns="" id="{9C92F611-984C-4700-8F37-9E1549C6F5A0}"/>
               </a:ext>
             </a:extLst>
           </p:cNvPr>
@@ -1282,7 +1282,7 @@
           <p:cNvPr id="2" name="Title 1">
             <a:extLst>
               <a:ext uri="{FF2B5EF4-FFF2-40B4-BE49-F238E27FC236}">
-                <a16:creationId xmlns="" xmlns:a16="http://schemas.microsoft.com/office/drawing/2014/main" id="{D4ADE4F3-2E91-4B7B-A523-4F20D9DB4FD2}"/>
+                <a16:creationId xmlns:a16="http://schemas.microsoft.com/office/drawing/2014/main" xmlns="" id="{D4ADE4F3-2E91-4B7B-A523-4F20D9DB4FD2}"/>
               </a:ext>
             </a:extLst>
           </p:cNvPr>
@@ -1310,7 +1310,7 @@
           <p:cNvPr id="3" name="Content Placeholder 2">
             <a:extLst>
               <a:ext uri="{FF2B5EF4-FFF2-40B4-BE49-F238E27FC236}">
-                <a16:creationId xmlns="" xmlns:a16="http://schemas.microsoft.com/office/drawing/2014/main" id="{30BFEFF9-26D6-4A12-9EA0-C90492A03A30}"/>
+                <a16:creationId xmlns:a16="http://schemas.microsoft.com/office/drawing/2014/main" xmlns="" id="{30BFEFF9-26D6-4A12-9EA0-C90492A03A30}"/>
               </a:ext>
             </a:extLst>
           </p:cNvPr>
@@ -1372,7 +1372,7 @@
           <p:cNvPr id="4" name="Content Placeholder 3">
             <a:extLst>
               <a:ext uri="{FF2B5EF4-FFF2-40B4-BE49-F238E27FC236}">
-                <a16:creationId xmlns="" xmlns:a16="http://schemas.microsoft.com/office/drawing/2014/main" id="{34E3AE41-6594-47EC-896F-6F854579A58D}"/>
+                <a16:creationId xmlns:a16="http://schemas.microsoft.com/office/drawing/2014/main" xmlns="" id="{34E3AE41-6594-47EC-896F-6F854579A58D}"/>
               </a:ext>
             </a:extLst>
           </p:cNvPr>
@@ -1434,7 +1434,7 @@
           <p:cNvPr id="5" name="Date Placeholder 4">
             <a:extLst>
               <a:ext uri="{FF2B5EF4-FFF2-40B4-BE49-F238E27FC236}">
-                <a16:creationId xmlns="" xmlns:a16="http://schemas.microsoft.com/office/drawing/2014/main" id="{9309353D-8B36-4661-8F38-7F672E0C6A54}"/>
+                <a16:creationId xmlns:a16="http://schemas.microsoft.com/office/drawing/2014/main" xmlns="" id="{9309353D-8B36-4661-8F38-7F672E0C6A54}"/>
               </a:ext>
             </a:extLst>
           </p:cNvPr>
@@ -1452,7 +1452,7 @@
           <a:p>
             <a:fld id="{072FDDB4-F553-424D-81C5-266A1B530A90}" type="datetimeFigureOut">
               <a:rPr lang="en-US" smtClean="0"/>
-              <a:t>8/12/2020</a:t>
+              <a:t>8/17/2020</a:t>
             </a:fld>
             <a:endParaRPr lang="en-US"/>
           </a:p>
@@ -1463,7 +1463,7 @@
           <p:cNvPr id="6" name="Footer Placeholder 5">
             <a:extLst>
               <a:ext uri="{FF2B5EF4-FFF2-40B4-BE49-F238E27FC236}">
-                <a16:creationId xmlns="" xmlns:a16="http://schemas.microsoft.com/office/drawing/2014/main" id="{57BE5FC0-FCB4-4A00-9B13-EF95E7822A7F}"/>
+                <a16:creationId xmlns:a16="http://schemas.microsoft.com/office/drawing/2014/main" xmlns="" id="{57BE5FC0-FCB4-4A00-9B13-EF95E7822A7F}"/>
               </a:ext>
             </a:extLst>
           </p:cNvPr>
@@ -1488,7 +1488,7 @@
           <p:cNvPr id="7" name="Slide Number Placeholder 6">
             <a:extLst>
               <a:ext uri="{FF2B5EF4-FFF2-40B4-BE49-F238E27FC236}">
-                <a16:creationId xmlns="" xmlns:a16="http://schemas.microsoft.com/office/drawing/2014/main" id="{81734B99-3D29-484C-B00E-6681F8E41520}"/>
+                <a16:creationId xmlns:a16="http://schemas.microsoft.com/office/drawing/2014/main" xmlns="" id="{81734B99-3D29-484C-B00E-6681F8E41520}"/>
               </a:ext>
             </a:extLst>
           </p:cNvPr>
@@ -1547,7 +1547,7 @@
           <p:cNvPr id="2" name="Title 1">
             <a:extLst>
               <a:ext uri="{FF2B5EF4-FFF2-40B4-BE49-F238E27FC236}">
-                <a16:creationId xmlns="" xmlns:a16="http://schemas.microsoft.com/office/drawing/2014/main" id="{16B0D425-A8D8-40C3-AADC-ED0A1F06480E}"/>
+                <a16:creationId xmlns:a16="http://schemas.microsoft.com/office/drawing/2014/main" xmlns="" id="{16B0D425-A8D8-40C3-AADC-ED0A1F06480E}"/>
               </a:ext>
             </a:extLst>
           </p:cNvPr>
@@ -1580,7 +1580,7 @@
           <p:cNvPr id="3" name="Text Placeholder 2">
             <a:extLst>
               <a:ext uri="{FF2B5EF4-FFF2-40B4-BE49-F238E27FC236}">
-                <a16:creationId xmlns="" xmlns:a16="http://schemas.microsoft.com/office/drawing/2014/main" id="{0ACE5B86-8B8A-4F2D-BF50-F9A1BFA1AD5B}"/>
+                <a16:creationId xmlns:a16="http://schemas.microsoft.com/office/drawing/2014/main" xmlns="" id="{0ACE5B86-8B8A-4F2D-BF50-F9A1BFA1AD5B}"/>
               </a:ext>
             </a:extLst>
           </p:cNvPr>
@@ -1651,7 +1651,7 @@
           <p:cNvPr id="4" name="Content Placeholder 3">
             <a:extLst>
               <a:ext uri="{FF2B5EF4-FFF2-40B4-BE49-F238E27FC236}">
-                <a16:creationId xmlns="" xmlns:a16="http://schemas.microsoft.com/office/drawing/2014/main" id="{502A5037-5960-4074-98D6-73D02BAD55CC}"/>
+                <a16:creationId xmlns:a16="http://schemas.microsoft.com/office/drawing/2014/main" xmlns="" id="{502A5037-5960-4074-98D6-73D02BAD55CC}"/>
               </a:ext>
             </a:extLst>
           </p:cNvPr>
@@ -1713,7 +1713,7 @@
           <p:cNvPr id="5" name="Text Placeholder 4">
             <a:extLst>
               <a:ext uri="{FF2B5EF4-FFF2-40B4-BE49-F238E27FC236}">
-                <a16:creationId xmlns="" xmlns:a16="http://schemas.microsoft.com/office/drawing/2014/main" id="{FD79AB3D-A0C4-43C8-9AE5-466CD15A04B3}"/>
+                <a16:creationId xmlns:a16="http://schemas.microsoft.com/office/drawing/2014/main" xmlns="" id="{FD79AB3D-A0C4-43C8-9AE5-466CD15A04B3}"/>
               </a:ext>
             </a:extLst>
           </p:cNvPr>
@@ -1784,7 +1784,7 @@
           <p:cNvPr id="6" name="Content Placeholder 5">
             <a:extLst>
               <a:ext uri="{FF2B5EF4-FFF2-40B4-BE49-F238E27FC236}">
-                <a16:creationId xmlns="" xmlns:a16="http://schemas.microsoft.com/office/drawing/2014/main" id="{6D78A97C-7EBD-4F84-BA6E-25D45A7C1436}"/>
+                <a16:creationId xmlns:a16="http://schemas.microsoft.com/office/drawing/2014/main" xmlns="" id="{6D78A97C-7EBD-4F84-BA6E-25D45A7C1436}"/>
               </a:ext>
             </a:extLst>
           </p:cNvPr>
@@ -1846,7 +1846,7 @@
           <p:cNvPr id="7" name="Date Placeholder 6">
             <a:extLst>
               <a:ext uri="{FF2B5EF4-FFF2-40B4-BE49-F238E27FC236}">
-                <a16:creationId xmlns="" xmlns:a16="http://schemas.microsoft.com/office/drawing/2014/main" id="{C577F049-3FBA-4D4F-94A1-4C75C32748C1}"/>
+                <a16:creationId xmlns:a16="http://schemas.microsoft.com/office/drawing/2014/main" xmlns="" id="{C577F049-3FBA-4D4F-94A1-4C75C32748C1}"/>
               </a:ext>
             </a:extLst>
           </p:cNvPr>
@@ -1864,7 +1864,7 @@
           <a:p>
             <a:fld id="{072FDDB4-F553-424D-81C5-266A1B530A90}" type="datetimeFigureOut">
               <a:rPr lang="en-US" smtClean="0"/>
-              <a:t>8/12/2020</a:t>
+              <a:t>8/17/2020</a:t>
             </a:fld>
             <a:endParaRPr lang="en-US"/>
           </a:p>
@@ -1875,7 +1875,7 @@
           <p:cNvPr id="8" name="Footer Placeholder 7">
             <a:extLst>
               <a:ext uri="{FF2B5EF4-FFF2-40B4-BE49-F238E27FC236}">
-                <a16:creationId xmlns="" xmlns:a16="http://schemas.microsoft.com/office/drawing/2014/main" id="{6770C7D9-907C-4916-8158-03680A1F480D}"/>
+                <a16:creationId xmlns:a16="http://schemas.microsoft.com/office/drawing/2014/main" xmlns="" id="{6770C7D9-907C-4916-8158-03680A1F480D}"/>
               </a:ext>
             </a:extLst>
           </p:cNvPr>
@@ -1900,7 +1900,7 @@
           <p:cNvPr id="9" name="Slide Number Placeholder 8">
             <a:extLst>
               <a:ext uri="{FF2B5EF4-FFF2-40B4-BE49-F238E27FC236}">
-                <a16:creationId xmlns="" xmlns:a16="http://schemas.microsoft.com/office/drawing/2014/main" id="{61C3B229-17EA-4B52-8721-91DCF9AA55FC}"/>
+                <a16:creationId xmlns:a16="http://schemas.microsoft.com/office/drawing/2014/main" xmlns="" id="{61C3B229-17EA-4B52-8721-91DCF9AA55FC}"/>
               </a:ext>
             </a:extLst>
           </p:cNvPr>
@@ -1959,7 +1959,7 @@
           <p:cNvPr id="2" name="Title 1">
             <a:extLst>
               <a:ext uri="{FF2B5EF4-FFF2-40B4-BE49-F238E27FC236}">
-                <a16:creationId xmlns="" xmlns:a16="http://schemas.microsoft.com/office/drawing/2014/main" id="{7DB11FC9-9919-4FE2-A084-F8E8852C460A}"/>
+                <a16:creationId xmlns:a16="http://schemas.microsoft.com/office/drawing/2014/main" xmlns="" id="{7DB11FC9-9919-4FE2-A084-F8E8852C460A}"/>
               </a:ext>
             </a:extLst>
           </p:cNvPr>
@@ -1987,7 +1987,7 @@
           <p:cNvPr id="3" name="Date Placeholder 2">
             <a:extLst>
               <a:ext uri="{FF2B5EF4-FFF2-40B4-BE49-F238E27FC236}">
-                <a16:creationId xmlns="" xmlns:a16="http://schemas.microsoft.com/office/drawing/2014/main" id="{B5F52948-BD2D-4B96-9757-E89999924032}"/>
+                <a16:creationId xmlns:a16="http://schemas.microsoft.com/office/drawing/2014/main" xmlns="" id="{B5F52948-BD2D-4B96-9757-E89999924032}"/>
               </a:ext>
             </a:extLst>
           </p:cNvPr>
@@ -2005,7 +2005,7 @@
           <a:p>
             <a:fld id="{072FDDB4-F553-424D-81C5-266A1B530A90}" type="datetimeFigureOut">
               <a:rPr lang="en-US" smtClean="0"/>
-              <a:t>8/12/2020</a:t>
+              <a:t>8/17/2020</a:t>
             </a:fld>
             <a:endParaRPr lang="en-US"/>
           </a:p>
@@ -2016,7 +2016,7 @@
           <p:cNvPr id="4" name="Footer Placeholder 3">
             <a:extLst>
               <a:ext uri="{FF2B5EF4-FFF2-40B4-BE49-F238E27FC236}">
-                <a16:creationId xmlns="" xmlns:a16="http://schemas.microsoft.com/office/drawing/2014/main" id="{C4EA6FBD-C6D4-429A-AF22-58EAED3EB1CC}"/>
+                <a16:creationId xmlns:a16="http://schemas.microsoft.com/office/drawing/2014/main" xmlns="" id="{C4EA6FBD-C6D4-429A-AF22-58EAED3EB1CC}"/>
               </a:ext>
             </a:extLst>
           </p:cNvPr>
@@ -2041,7 +2041,7 @@
           <p:cNvPr id="5" name="Slide Number Placeholder 4">
             <a:extLst>
               <a:ext uri="{FF2B5EF4-FFF2-40B4-BE49-F238E27FC236}">
-                <a16:creationId xmlns="" xmlns:a16="http://schemas.microsoft.com/office/drawing/2014/main" id="{22FCAB54-AAEC-412D-AD85-B853F8E4E9F4}"/>
+                <a16:creationId xmlns:a16="http://schemas.microsoft.com/office/drawing/2014/main" xmlns="" id="{22FCAB54-AAEC-412D-AD85-B853F8E4E9F4}"/>
               </a:ext>
             </a:extLst>
           </p:cNvPr>
@@ -2100,7 +2100,7 @@
           <p:cNvPr id="2" name="Date Placeholder 1">
             <a:extLst>
               <a:ext uri="{FF2B5EF4-FFF2-40B4-BE49-F238E27FC236}">
-                <a16:creationId xmlns="" xmlns:a16="http://schemas.microsoft.com/office/drawing/2014/main" id="{65EBC5A4-17CB-434C-9609-2219D1800D25}"/>
+                <a16:creationId xmlns:a16="http://schemas.microsoft.com/office/drawing/2014/main" xmlns="" id="{65EBC5A4-17CB-434C-9609-2219D1800D25}"/>
               </a:ext>
             </a:extLst>
           </p:cNvPr>
@@ -2118,7 +2118,7 @@
           <a:p>
             <a:fld id="{072FDDB4-F553-424D-81C5-266A1B530A90}" type="datetimeFigureOut">
               <a:rPr lang="en-US" smtClean="0"/>
-              <a:t>8/12/2020</a:t>
+              <a:t>8/17/2020</a:t>
             </a:fld>
             <a:endParaRPr lang="en-US"/>
           </a:p>
@@ -2129,7 +2129,7 @@
           <p:cNvPr id="3" name="Footer Placeholder 2">
             <a:extLst>
               <a:ext uri="{FF2B5EF4-FFF2-40B4-BE49-F238E27FC236}">
-                <a16:creationId xmlns="" xmlns:a16="http://schemas.microsoft.com/office/drawing/2014/main" id="{946A0E82-BFF7-48D4-B4BE-19F68E22B863}"/>
+                <a16:creationId xmlns:a16="http://schemas.microsoft.com/office/drawing/2014/main" xmlns="" id="{946A0E82-BFF7-48D4-B4BE-19F68E22B863}"/>
               </a:ext>
             </a:extLst>
           </p:cNvPr>
@@ -2154,7 +2154,7 @@
           <p:cNvPr id="4" name="Slide Number Placeholder 3">
             <a:extLst>
               <a:ext uri="{FF2B5EF4-FFF2-40B4-BE49-F238E27FC236}">
-                <a16:creationId xmlns="" xmlns:a16="http://schemas.microsoft.com/office/drawing/2014/main" id="{16E4AC46-62DE-4650-854E-0178023A6DFA}"/>
+                <a16:creationId xmlns:a16="http://schemas.microsoft.com/office/drawing/2014/main" xmlns="" id="{16E4AC46-62DE-4650-854E-0178023A6DFA}"/>
               </a:ext>
             </a:extLst>
           </p:cNvPr>
@@ -2213,7 +2213,7 @@
           <p:cNvPr id="2" name="Title 1">
             <a:extLst>
               <a:ext uri="{FF2B5EF4-FFF2-40B4-BE49-F238E27FC236}">
-                <a16:creationId xmlns="" xmlns:a16="http://schemas.microsoft.com/office/drawing/2014/main" id="{2611F1E2-AA8C-4F5A-AD3C-DE865B15D3C8}"/>
+                <a16:creationId xmlns:a16="http://schemas.microsoft.com/office/drawing/2014/main" xmlns="" id="{2611F1E2-AA8C-4F5A-AD3C-DE865B15D3C8}"/>
               </a:ext>
             </a:extLst>
           </p:cNvPr>
@@ -2250,7 +2250,7 @@
           <p:cNvPr id="3" name="Content Placeholder 2">
             <a:extLst>
               <a:ext uri="{FF2B5EF4-FFF2-40B4-BE49-F238E27FC236}">
-                <a16:creationId xmlns="" xmlns:a16="http://schemas.microsoft.com/office/drawing/2014/main" id="{BFAF90EB-2E06-4841-8535-150EBA092FAB}"/>
+                <a16:creationId xmlns:a16="http://schemas.microsoft.com/office/drawing/2014/main" xmlns="" id="{BFAF90EB-2E06-4841-8535-150EBA092FAB}"/>
               </a:ext>
             </a:extLst>
           </p:cNvPr>
@@ -2340,7 +2340,7 @@
           <p:cNvPr id="4" name="Text Placeholder 3">
             <a:extLst>
               <a:ext uri="{FF2B5EF4-FFF2-40B4-BE49-F238E27FC236}">
-                <a16:creationId xmlns="" xmlns:a16="http://schemas.microsoft.com/office/drawing/2014/main" id="{5B85B0F3-AC9A-47AB-AA9C-8696B66FEBC0}"/>
+                <a16:creationId xmlns:a16="http://schemas.microsoft.com/office/drawing/2014/main" xmlns="" id="{5B85B0F3-AC9A-47AB-AA9C-8696B66FEBC0}"/>
               </a:ext>
             </a:extLst>
           </p:cNvPr>
@@ -2411,7 +2411,7 @@
           <p:cNvPr id="5" name="Date Placeholder 4">
             <a:extLst>
               <a:ext uri="{FF2B5EF4-FFF2-40B4-BE49-F238E27FC236}">
-                <a16:creationId xmlns="" xmlns:a16="http://schemas.microsoft.com/office/drawing/2014/main" id="{E6C64471-6160-4EAC-BB24-78B60CD5D555}"/>
+                <a16:creationId xmlns:a16="http://schemas.microsoft.com/office/drawing/2014/main" xmlns="" id="{E6C64471-6160-4EAC-BB24-78B60CD5D555}"/>
               </a:ext>
             </a:extLst>
           </p:cNvPr>
@@ -2429,7 +2429,7 @@
           <a:p>
             <a:fld id="{072FDDB4-F553-424D-81C5-266A1B530A90}" type="datetimeFigureOut">
               <a:rPr lang="en-US" smtClean="0"/>
-              <a:t>8/12/2020</a:t>
+              <a:t>8/17/2020</a:t>
             </a:fld>
             <a:endParaRPr lang="en-US"/>
           </a:p>
@@ -2440,7 +2440,7 @@
           <p:cNvPr id="6" name="Footer Placeholder 5">
             <a:extLst>
               <a:ext uri="{FF2B5EF4-FFF2-40B4-BE49-F238E27FC236}">
-                <a16:creationId xmlns="" xmlns:a16="http://schemas.microsoft.com/office/drawing/2014/main" id="{F0336C18-C959-43BB-81AD-588F23FB7F26}"/>
+                <a16:creationId xmlns:a16="http://schemas.microsoft.com/office/drawing/2014/main" xmlns="" id="{F0336C18-C959-43BB-81AD-588F23FB7F26}"/>
               </a:ext>
             </a:extLst>
           </p:cNvPr>
@@ -2465,7 +2465,7 @@
           <p:cNvPr id="7" name="Slide Number Placeholder 6">
             <a:extLst>
               <a:ext uri="{FF2B5EF4-FFF2-40B4-BE49-F238E27FC236}">
-                <a16:creationId xmlns="" xmlns:a16="http://schemas.microsoft.com/office/drawing/2014/main" id="{25C75149-E3CE-4F34-BCDB-1DC926C20911}"/>
+                <a16:creationId xmlns:a16="http://schemas.microsoft.com/office/drawing/2014/main" xmlns="" id="{25C75149-E3CE-4F34-BCDB-1DC926C20911}"/>
               </a:ext>
             </a:extLst>
           </p:cNvPr>
@@ -2524,7 +2524,7 @@
           <p:cNvPr id="2" name="Title 1">
             <a:extLst>
               <a:ext uri="{FF2B5EF4-FFF2-40B4-BE49-F238E27FC236}">
-                <a16:creationId xmlns="" xmlns:a16="http://schemas.microsoft.com/office/drawing/2014/main" id="{5E985B36-160C-4B77-B9F6-6E6ADC4B4B7A}"/>
+                <a16:creationId xmlns:a16="http://schemas.microsoft.com/office/drawing/2014/main" xmlns="" id="{5E985B36-160C-4B77-B9F6-6E6ADC4B4B7A}"/>
               </a:ext>
             </a:extLst>
           </p:cNvPr>
@@ -2561,7 +2561,7 @@
           <p:cNvPr id="3" name="Picture Placeholder 2">
             <a:extLst>
               <a:ext uri="{FF2B5EF4-FFF2-40B4-BE49-F238E27FC236}">
-                <a16:creationId xmlns="" xmlns:a16="http://schemas.microsoft.com/office/drawing/2014/main" id="{FCD1F2B6-8B27-46DA-815F-AEC2588D86B7}"/>
+                <a16:creationId xmlns:a16="http://schemas.microsoft.com/office/drawing/2014/main" xmlns="" id="{FCD1F2B6-8B27-46DA-815F-AEC2588D86B7}"/>
               </a:ext>
             </a:extLst>
           </p:cNvPr>
@@ -2628,7 +2628,7 @@
           <p:cNvPr id="4" name="Text Placeholder 3">
             <a:extLst>
               <a:ext uri="{FF2B5EF4-FFF2-40B4-BE49-F238E27FC236}">
-                <a16:creationId xmlns="" xmlns:a16="http://schemas.microsoft.com/office/drawing/2014/main" id="{794048D5-AF6C-4AE7-903A-9F0BBEE06D1B}"/>
+                <a16:creationId xmlns:a16="http://schemas.microsoft.com/office/drawing/2014/main" xmlns="" id="{794048D5-AF6C-4AE7-903A-9F0BBEE06D1B}"/>
               </a:ext>
             </a:extLst>
           </p:cNvPr>
@@ -2699,7 +2699,7 @@
           <p:cNvPr id="5" name="Date Placeholder 4">
             <a:extLst>
               <a:ext uri="{FF2B5EF4-FFF2-40B4-BE49-F238E27FC236}">
-                <a16:creationId xmlns="" xmlns:a16="http://schemas.microsoft.com/office/drawing/2014/main" id="{606F619A-F3F8-479D-B382-1B06C8739060}"/>
+                <a16:creationId xmlns:a16="http://schemas.microsoft.com/office/drawing/2014/main" xmlns="" id="{606F619A-F3F8-479D-B382-1B06C8739060}"/>
               </a:ext>
             </a:extLst>
           </p:cNvPr>
@@ -2717,7 +2717,7 @@
           <a:p>
             <a:fld id="{072FDDB4-F553-424D-81C5-266A1B530A90}" type="datetimeFigureOut">
               <a:rPr lang="en-US" smtClean="0"/>
-              <a:t>8/12/2020</a:t>
+              <a:t>8/17/2020</a:t>
             </a:fld>
             <a:endParaRPr lang="en-US"/>
           </a:p>
@@ -2728,7 +2728,7 @@
           <p:cNvPr id="6" name="Footer Placeholder 5">
             <a:extLst>
               <a:ext uri="{FF2B5EF4-FFF2-40B4-BE49-F238E27FC236}">
-                <a16:creationId xmlns="" xmlns:a16="http://schemas.microsoft.com/office/drawing/2014/main" id="{83955CF4-8167-4C02-A662-5E3ED1E793B9}"/>
+                <a16:creationId xmlns:a16="http://schemas.microsoft.com/office/drawing/2014/main" xmlns="" id="{83955CF4-8167-4C02-A662-5E3ED1E793B9}"/>
               </a:ext>
             </a:extLst>
           </p:cNvPr>
@@ -2753,7 +2753,7 @@
           <p:cNvPr id="7" name="Slide Number Placeholder 6">
             <a:extLst>
               <a:ext uri="{FF2B5EF4-FFF2-40B4-BE49-F238E27FC236}">
-                <a16:creationId xmlns="" xmlns:a16="http://schemas.microsoft.com/office/drawing/2014/main" id="{2FB652C0-1103-4529-AAEB-70E8920E41E4}"/>
+                <a16:creationId xmlns:a16="http://schemas.microsoft.com/office/drawing/2014/main" xmlns="" id="{2FB652C0-1103-4529-AAEB-70E8920E41E4}"/>
               </a:ext>
             </a:extLst>
           </p:cNvPr>
@@ -2817,7 +2817,7 @@
           <p:cNvPr id="2" name="Title Placeholder 1">
             <a:extLst>
               <a:ext uri="{FF2B5EF4-FFF2-40B4-BE49-F238E27FC236}">
-                <a16:creationId xmlns="" xmlns:a16="http://schemas.microsoft.com/office/drawing/2014/main" id="{F0F10A20-DCB1-4469-82F2-DA58857D0B7C}"/>
+                <a16:creationId xmlns:a16="http://schemas.microsoft.com/office/drawing/2014/main" xmlns="" id="{F0F10A20-DCB1-4469-82F2-DA58857D0B7C}"/>
               </a:ext>
             </a:extLst>
           </p:cNvPr>
@@ -2855,7 +2855,7 @@
           <p:cNvPr id="3" name="Text Placeholder 2">
             <a:extLst>
               <a:ext uri="{FF2B5EF4-FFF2-40B4-BE49-F238E27FC236}">
-                <a16:creationId xmlns="" xmlns:a16="http://schemas.microsoft.com/office/drawing/2014/main" id="{0DC14E44-AA3E-46A4-AF98-6D730D586F9D}"/>
+                <a16:creationId xmlns:a16="http://schemas.microsoft.com/office/drawing/2014/main" xmlns="" id="{0DC14E44-AA3E-46A4-AF98-6D730D586F9D}"/>
               </a:ext>
             </a:extLst>
           </p:cNvPr>
@@ -2922,7 +2922,7 @@
           <p:cNvPr id="4" name="Date Placeholder 3">
             <a:extLst>
               <a:ext uri="{FF2B5EF4-FFF2-40B4-BE49-F238E27FC236}">
-                <a16:creationId xmlns="" xmlns:a16="http://schemas.microsoft.com/office/drawing/2014/main" id="{FDF36B15-1CB7-4724-91CF-C3AF193C9CB1}"/>
+                <a16:creationId xmlns:a16="http://schemas.microsoft.com/office/drawing/2014/main" xmlns="" id="{FDF36B15-1CB7-4724-91CF-C3AF193C9CB1}"/>
               </a:ext>
             </a:extLst>
           </p:cNvPr>
@@ -2958,7 +2958,7 @@
           <a:p>
             <a:fld id="{072FDDB4-F553-424D-81C5-266A1B530A90}" type="datetimeFigureOut">
               <a:rPr lang="en-US" smtClean="0"/>
-              <a:t>8/12/2020</a:t>
+              <a:t>8/17/2020</a:t>
             </a:fld>
             <a:endParaRPr lang="en-US"/>
           </a:p>
@@ -2969,7 +2969,7 @@
           <p:cNvPr id="5" name="Footer Placeholder 4">
             <a:extLst>
               <a:ext uri="{FF2B5EF4-FFF2-40B4-BE49-F238E27FC236}">
-                <a16:creationId xmlns="" xmlns:a16="http://schemas.microsoft.com/office/drawing/2014/main" id="{B7ACD7DB-2840-4940-B50F-42527C398FAE}"/>
+                <a16:creationId xmlns:a16="http://schemas.microsoft.com/office/drawing/2014/main" xmlns="" id="{B7ACD7DB-2840-4940-B50F-42527C398FAE}"/>
               </a:ext>
             </a:extLst>
           </p:cNvPr>
@@ -3012,7 +3012,7 @@
           <p:cNvPr id="6" name="Slide Number Placeholder 5">
             <a:extLst>
               <a:ext uri="{FF2B5EF4-FFF2-40B4-BE49-F238E27FC236}">
-                <a16:creationId xmlns="" xmlns:a16="http://schemas.microsoft.com/office/drawing/2014/main" id="{8F87367D-22C9-4D20-9B6B-372D4388D2AB}"/>
+                <a16:creationId xmlns:a16="http://schemas.microsoft.com/office/drawing/2014/main" xmlns="" id="{8F87367D-22C9-4D20-9B6B-372D4388D2AB}"/>
               </a:ext>
             </a:extLst>
           </p:cNvPr>
@@ -3380,7 +3380,7 @@
           <p:cNvPr id="2" name="Title 1">
             <a:extLst>
               <a:ext uri="{FF2B5EF4-FFF2-40B4-BE49-F238E27FC236}">
-                <a16:creationId xmlns="" xmlns:a16="http://schemas.microsoft.com/office/drawing/2014/main" id="{282FDA3E-FC10-4645-9A57-FCA21E1CA963}"/>
+                <a16:creationId xmlns:a16="http://schemas.microsoft.com/office/drawing/2014/main" xmlns="" id="{282FDA3E-FC10-4645-9A57-FCA21E1CA963}"/>
               </a:ext>
             </a:extLst>
           </p:cNvPr>
@@ -3447,7 +3447,7 @@
           <p:cNvPr id="2" name="Title 1">
             <a:extLst>
               <a:ext uri="{FF2B5EF4-FFF2-40B4-BE49-F238E27FC236}">
-                <a16:creationId xmlns="" xmlns:a16="http://schemas.microsoft.com/office/drawing/2014/main" id="{64FC46BD-FCD3-4070-A2FE-CF068D21089D}"/>
+                <a16:creationId xmlns:a16="http://schemas.microsoft.com/office/drawing/2014/main" xmlns="" id="{64FC46BD-FCD3-4070-A2FE-CF068D21089D}"/>
               </a:ext>
             </a:extLst>
           </p:cNvPr>
@@ -3477,7 +3477,7 @@
           <p:cNvPr id="3" name="Content Placeholder 2">
             <a:extLst>
               <a:ext uri="{FF2B5EF4-FFF2-40B4-BE49-F238E27FC236}">
-                <a16:creationId xmlns="" xmlns:a16="http://schemas.microsoft.com/office/drawing/2014/main" id="{8FD3E7E3-6406-4C87-9E06-5BA40AA66E22}"/>
+                <a16:creationId xmlns:a16="http://schemas.microsoft.com/office/drawing/2014/main" xmlns="" id="{8FD3E7E3-6406-4C87-9E06-5BA40AA66E22}"/>
               </a:ext>
             </a:extLst>
           </p:cNvPr>
@@ -3638,7 +3638,7 @@
           <p:cNvPr id="2" name="Title 1">
             <a:extLst>
               <a:ext uri="{FF2B5EF4-FFF2-40B4-BE49-F238E27FC236}">
-                <a16:creationId xmlns="" xmlns:a16="http://schemas.microsoft.com/office/drawing/2014/main" id="{64FC46BD-FCD3-4070-A2FE-CF068D21089D}"/>
+                <a16:creationId xmlns:a16="http://schemas.microsoft.com/office/drawing/2014/main" xmlns="" id="{64FC46BD-FCD3-4070-A2FE-CF068D21089D}"/>
               </a:ext>
             </a:extLst>
           </p:cNvPr>
@@ -3674,7 +3674,7 @@
           <p:cNvPr id="3" name="Content Placeholder 2">
             <a:extLst>
               <a:ext uri="{FF2B5EF4-FFF2-40B4-BE49-F238E27FC236}">
-                <a16:creationId xmlns="" xmlns:a16="http://schemas.microsoft.com/office/drawing/2014/main" id="{8FD3E7E3-6406-4C87-9E06-5BA40AA66E22}"/>
+                <a16:creationId xmlns:a16="http://schemas.microsoft.com/office/drawing/2014/main" xmlns="" id="{8FD3E7E3-6406-4C87-9E06-5BA40AA66E22}"/>
               </a:ext>
             </a:extLst>
           </p:cNvPr>
@@ -3751,7 +3751,7 @@
           <p:cNvPr id="2" name="Title 1">
             <a:extLst>
               <a:ext uri="{FF2B5EF4-FFF2-40B4-BE49-F238E27FC236}">
-                <a16:creationId xmlns="" xmlns:a16="http://schemas.microsoft.com/office/drawing/2014/main" id="{64FC46BD-FCD3-4070-A2FE-CF068D21089D}"/>
+                <a16:creationId xmlns:a16="http://schemas.microsoft.com/office/drawing/2014/main" xmlns="" id="{64FC46BD-FCD3-4070-A2FE-CF068D21089D}"/>
               </a:ext>
             </a:extLst>
           </p:cNvPr>
@@ -3787,7 +3787,7 @@
           <p:cNvPr id="14" name="Content Placeholder 2">
             <a:extLst>
               <a:ext uri="{FF2B5EF4-FFF2-40B4-BE49-F238E27FC236}">
-                <a16:creationId xmlns="" xmlns:a16="http://schemas.microsoft.com/office/drawing/2014/main" id="{8FD3E7E3-6406-4C87-9E06-5BA40AA66E22}"/>
+                <a16:creationId xmlns:a16="http://schemas.microsoft.com/office/drawing/2014/main" xmlns="" id="{8FD3E7E3-6406-4C87-9E06-5BA40AA66E22}"/>
               </a:ext>
             </a:extLst>
           </p:cNvPr>
@@ -3991,7 +3991,7 @@
           <p:cNvPr id="16" name="Content Placeholder 2">
             <a:extLst>
               <a:ext uri="{FF2B5EF4-FFF2-40B4-BE49-F238E27FC236}">
-                <a16:creationId xmlns="" xmlns:a16="http://schemas.microsoft.com/office/drawing/2014/main" id="{8FD3E7E3-6406-4C87-9E06-5BA40AA66E22}"/>
+                <a16:creationId xmlns:a16="http://schemas.microsoft.com/office/drawing/2014/main" xmlns="" id="{8FD3E7E3-6406-4C87-9E06-5BA40AA66E22}"/>
               </a:ext>
             </a:extLst>
           </p:cNvPr>
@@ -4257,7 +4257,7 @@
               <a:rPr lang="en-US" sz="2400" dirty="0" smtClean="0">
                 <a:latin typeface="Comic Sans MS" panose="030F0702030302020204" pitchFamily="66" charset="0"/>
               </a:rPr>
-              <a:t>(3, </a:t>
+              <a:t>(2, </a:t>
             </a:r>
             <a:r>
               <a:rPr lang="en-US" sz="2400" dirty="0">
@@ -4378,7 +4378,7 @@
           <p:cNvPr id="7" name="Content Placeholder 2">
             <a:extLst>
               <a:ext uri="{FF2B5EF4-FFF2-40B4-BE49-F238E27FC236}">
-                <a16:creationId xmlns="" xmlns:a16="http://schemas.microsoft.com/office/drawing/2014/main" id="{8FD3E7E3-6406-4C87-9E06-5BA40AA66E22}"/>
+                <a16:creationId xmlns:a16="http://schemas.microsoft.com/office/drawing/2014/main" xmlns="" id="{8FD3E7E3-6406-4C87-9E06-5BA40AA66E22}"/>
               </a:ext>
             </a:extLst>
           </p:cNvPr>
@@ -4745,7 +4745,7 @@
           <p:cNvPr id="2" name="Title 1">
             <a:extLst>
               <a:ext uri="{FF2B5EF4-FFF2-40B4-BE49-F238E27FC236}">
-                <a16:creationId xmlns="" xmlns:a16="http://schemas.microsoft.com/office/drawing/2014/main" id="{64FC46BD-FCD3-4070-A2FE-CF068D21089D}"/>
+                <a16:creationId xmlns:a16="http://schemas.microsoft.com/office/drawing/2014/main" xmlns="" id="{64FC46BD-FCD3-4070-A2FE-CF068D21089D}"/>
               </a:ext>
             </a:extLst>
           </p:cNvPr>
@@ -4781,7 +4781,7 @@
           <p:cNvPr id="14" name="Content Placeholder 2">
             <a:extLst>
               <a:ext uri="{FF2B5EF4-FFF2-40B4-BE49-F238E27FC236}">
-                <a16:creationId xmlns="" xmlns:a16="http://schemas.microsoft.com/office/drawing/2014/main" id="{8FD3E7E3-6406-4C87-9E06-5BA40AA66E22}"/>
+                <a16:creationId xmlns:a16="http://schemas.microsoft.com/office/drawing/2014/main" xmlns="" id="{8FD3E7E3-6406-4C87-9E06-5BA40AA66E22}"/>
               </a:ext>
             </a:extLst>
           </p:cNvPr>
@@ -5006,7 +5006,7 @@
           <p:cNvPr id="7" name="Content Placeholder 2">
             <a:extLst>
               <a:ext uri="{FF2B5EF4-FFF2-40B4-BE49-F238E27FC236}">
-                <a16:creationId xmlns="" xmlns:a16="http://schemas.microsoft.com/office/drawing/2014/main" id="{8FD3E7E3-6406-4C87-9E06-5BA40AA66E22}"/>
+                <a16:creationId xmlns:a16="http://schemas.microsoft.com/office/drawing/2014/main" xmlns="" id="{8FD3E7E3-6406-4C87-9E06-5BA40AA66E22}"/>
               </a:ext>
             </a:extLst>
           </p:cNvPr>
@@ -5272,7 +5272,7 @@
               <a:rPr lang="en-US" sz="2400" dirty="0" smtClean="0">
                 <a:latin typeface="Comic Sans MS" panose="030F0702030302020204" pitchFamily="66" charset="0"/>
               </a:rPr>
-              <a:t>(3, </a:t>
+              <a:t>(2, </a:t>
             </a:r>
             <a:r>
               <a:rPr lang="en-US" sz="2400" dirty="0">
@@ -5393,7 +5393,7 @@
           <p:cNvPr id="10" name="Content Placeholder 2">
             <a:extLst>
               <a:ext uri="{FF2B5EF4-FFF2-40B4-BE49-F238E27FC236}">
-                <a16:creationId xmlns="" xmlns:a16="http://schemas.microsoft.com/office/drawing/2014/main" id="{8FD3E7E3-6406-4C87-9E06-5BA40AA66E22}"/>
+                <a16:creationId xmlns:a16="http://schemas.microsoft.com/office/drawing/2014/main" xmlns="" id="{8FD3E7E3-6406-4C87-9E06-5BA40AA66E22}"/>
               </a:ext>
             </a:extLst>
           </p:cNvPr>
@@ -5760,7 +5760,7 @@
           <p:cNvPr id="2" name="Title 1">
             <a:extLst>
               <a:ext uri="{FF2B5EF4-FFF2-40B4-BE49-F238E27FC236}">
-                <a16:creationId xmlns="" xmlns:a16="http://schemas.microsoft.com/office/drawing/2014/main" id="{64FC46BD-FCD3-4070-A2FE-CF068D21089D}"/>
+                <a16:creationId xmlns:a16="http://schemas.microsoft.com/office/drawing/2014/main" xmlns="" id="{64FC46BD-FCD3-4070-A2FE-CF068D21089D}"/>
               </a:ext>
             </a:extLst>
           </p:cNvPr>
@@ -5796,7 +5796,7 @@
           <p:cNvPr id="8" name="Content Placeholder 2">
             <a:extLst>
               <a:ext uri="{FF2B5EF4-FFF2-40B4-BE49-F238E27FC236}">
-                <a16:creationId xmlns="" xmlns:a16="http://schemas.microsoft.com/office/drawing/2014/main" id="{8FD3E7E3-6406-4C87-9E06-5BA40AA66E22}"/>
+                <a16:creationId xmlns:a16="http://schemas.microsoft.com/office/drawing/2014/main" xmlns="" id="{8FD3E7E3-6406-4C87-9E06-5BA40AA66E22}"/>
               </a:ext>
             </a:extLst>
           </p:cNvPr>
@@ -6021,7 +6021,7 @@
           <p:cNvPr id="7" name="Content Placeholder 2">
             <a:extLst>
               <a:ext uri="{FF2B5EF4-FFF2-40B4-BE49-F238E27FC236}">
-                <a16:creationId xmlns="" xmlns:a16="http://schemas.microsoft.com/office/drawing/2014/main" id="{8FD3E7E3-6406-4C87-9E06-5BA40AA66E22}"/>
+                <a16:creationId xmlns:a16="http://schemas.microsoft.com/office/drawing/2014/main" xmlns="" id="{8FD3E7E3-6406-4C87-9E06-5BA40AA66E22}"/>
               </a:ext>
             </a:extLst>
           </p:cNvPr>
@@ -6287,7 +6287,7 @@
               <a:rPr lang="en-US" sz="2400" dirty="0" smtClean="0">
                 <a:latin typeface="Comic Sans MS" panose="030F0702030302020204" pitchFamily="66" charset="0"/>
               </a:rPr>
-              <a:t>(3, </a:t>
+              <a:t>(2, </a:t>
             </a:r>
             <a:r>
               <a:rPr lang="en-US" sz="2400" dirty="0">
@@ -6408,7 +6408,7 @@
           <p:cNvPr id="10" name="Content Placeholder 2">
             <a:extLst>
               <a:ext uri="{FF2B5EF4-FFF2-40B4-BE49-F238E27FC236}">
-                <a16:creationId xmlns="" xmlns:a16="http://schemas.microsoft.com/office/drawing/2014/main" id="{8FD3E7E3-6406-4C87-9E06-5BA40AA66E22}"/>
+                <a16:creationId xmlns:a16="http://schemas.microsoft.com/office/drawing/2014/main" xmlns="" id="{8FD3E7E3-6406-4C87-9E06-5BA40AA66E22}"/>
               </a:ext>
             </a:extLst>
           </p:cNvPr>
@@ -6775,7 +6775,7 @@
           <p:cNvPr id="2" name="Title 1">
             <a:extLst>
               <a:ext uri="{FF2B5EF4-FFF2-40B4-BE49-F238E27FC236}">
-                <a16:creationId xmlns="" xmlns:a16="http://schemas.microsoft.com/office/drawing/2014/main" id="{282FDA3E-FC10-4645-9A57-FCA21E1CA963}"/>
+                <a16:creationId xmlns:a16="http://schemas.microsoft.com/office/drawing/2014/main" xmlns="" id="{282FDA3E-FC10-4645-9A57-FCA21E1CA963}"/>
               </a:ext>
             </a:extLst>
           </p:cNvPr>
@@ -6845,7 +6845,7 @@
           <p:cNvPr id="2" name="Title 1">
             <a:extLst>
               <a:ext uri="{FF2B5EF4-FFF2-40B4-BE49-F238E27FC236}">
-                <a16:creationId xmlns="" xmlns:a16="http://schemas.microsoft.com/office/drawing/2014/main" id="{64FC46BD-FCD3-4070-A2FE-CF068D21089D}"/>
+                <a16:creationId xmlns:a16="http://schemas.microsoft.com/office/drawing/2014/main" xmlns="" id="{64FC46BD-FCD3-4070-A2FE-CF068D21089D}"/>
               </a:ext>
             </a:extLst>
           </p:cNvPr>
@@ -6881,7 +6881,7 @@
           <p:cNvPr id="14" name="Content Placeholder 2">
             <a:extLst>
               <a:ext uri="{FF2B5EF4-FFF2-40B4-BE49-F238E27FC236}">
-                <a16:creationId xmlns="" xmlns:a16="http://schemas.microsoft.com/office/drawing/2014/main" id="{8FD3E7E3-6406-4C87-9E06-5BA40AA66E22}"/>
+                <a16:creationId xmlns:a16="http://schemas.microsoft.com/office/drawing/2014/main" xmlns="" id="{8FD3E7E3-6406-4C87-9E06-5BA40AA66E22}"/>
               </a:ext>
             </a:extLst>
           </p:cNvPr>
@@ -7196,7 +7196,7 @@
           <p:cNvPr id="2" name="Title 1">
             <a:extLst>
               <a:ext uri="{FF2B5EF4-FFF2-40B4-BE49-F238E27FC236}">
-                <a16:creationId xmlns="" xmlns:a16="http://schemas.microsoft.com/office/drawing/2014/main" id="{64FC46BD-FCD3-4070-A2FE-CF068D21089D}"/>
+                <a16:creationId xmlns:a16="http://schemas.microsoft.com/office/drawing/2014/main" xmlns="" id="{64FC46BD-FCD3-4070-A2FE-CF068D21089D}"/>
               </a:ext>
             </a:extLst>
           </p:cNvPr>
@@ -7232,7 +7232,7 @@
           <p:cNvPr id="14" name="Content Placeholder 2">
             <a:extLst>
               <a:ext uri="{FF2B5EF4-FFF2-40B4-BE49-F238E27FC236}">
-                <a16:creationId xmlns="" xmlns:a16="http://schemas.microsoft.com/office/drawing/2014/main" id="{8FD3E7E3-6406-4C87-9E06-5BA40AA66E22}"/>
+                <a16:creationId xmlns:a16="http://schemas.microsoft.com/office/drawing/2014/main" xmlns="" id="{8FD3E7E3-6406-4C87-9E06-5BA40AA66E22}"/>
               </a:ext>
             </a:extLst>
           </p:cNvPr>
@@ -7510,7 +7510,7 @@
           <p:cNvPr id="4" name="Content Placeholder 2">
             <a:extLst>
               <a:ext uri="{FF2B5EF4-FFF2-40B4-BE49-F238E27FC236}">
-                <a16:creationId xmlns="" xmlns:a16="http://schemas.microsoft.com/office/drawing/2014/main" id="{8FD3E7E3-6406-4C87-9E06-5BA40AA66E22}"/>
+                <a16:creationId xmlns:a16="http://schemas.microsoft.com/office/drawing/2014/main" xmlns="" id="{8FD3E7E3-6406-4C87-9E06-5BA40AA66E22}"/>
               </a:ext>
             </a:extLst>
           </p:cNvPr>
@@ -7779,7 +7779,7 @@
           <p:cNvPr id="2" name="Title 1">
             <a:extLst>
               <a:ext uri="{FF2B5EF4-FFF2-40B4-BE49-F238E27FC236}">
-                <a16:creationId xmlns="" xmlns:a16="http://schemas.microsoft.com/office/drawing/2014/main" id="{64FC46BD-FCD3-4070-A2FE-CF068D21089D}"/>
+                <a16:creationId xmlns:a16="http://schemas.microsoft.com/office/drawing/2014/main" xmlns="" id="{64FC46BD-FCD3-4070-A2FE-CF068D21089D}"/>
               </a:ext>
             </a:extLst>
           </p:cNvPr>
@@ -7815,7 +7815,7 @@
           <p:cNvPr id="14" name="Content Placeholder 2">
             <a:extLst>
               <a:ext uri="{FF2B5EF4-FFF2-40B4-BE49-F238E27FC236}">
-                <a16:creationId xmlns="" xmlns:a16="http://schemas.microsoft.com/office/drawing/2014/main" id="{8FD3E7E3-6406-4C87-9E06-5BA40AA66E22}"/>
+                <a16:creationId xmlns:a16="http://schemas.microsoft.com/office/drawing/2014/main" xmlns="" id="{8FD3E7E3-6406-4C87-9E06-5BA40AA66E22}"/>
               </a:ext>
             </a:extLst>
           </p:cNvPr>
@@ -8093,7 +8093,7 @@
           <p:cNvPr id="4" name="Content Placeholder 2">
             <a:extLst>
               <a:ext uri="{FF2B5EF4-FFF2-40B4-BE49-F238E27FC236}">
-                <a16:creationId xmlns="" xmlns:a16="http://schemas.microsoft.com/office/drawing/2014/main" id="{8FD3E7E3-6406-4C87-9E06-5BA40AA66E22}"/>
+                <a16:creationId xmlns:a16="http://schemas.microsoft.com/office/drawing/2014/main" xmlns="" id="{8FD3E7E3-6406-4C87-9E06-5BA40AA66E22}"/>
               </a:ext>
             </a:extLst>
           </p:cNvPr>
@@ -8325,7 +8325,7 @@
           <p:cNvPr id="5" name="Content Placeholder 2">
             <a:extLst>
               <a:ext uri="{FF2B5EF4-FFF2-40B4-BE49-F238E27FC236}">
-                <a16:creationId xmlns="" xmlns:a16="http://schemas.microsoft.com/office/drawing/2014/main" id="{8FD3E7E3-6406-4C87-9E06-5BA40AA66E22}"/>
+                <a16:creationId xmlns:a16="http://schemas.microsoft.com/office/drawing/2014/main" xmlns="" id="{8FD3E7E3-6406-4C87-9E06-5BA40AA66E22}"/>
               </a:ext>
             </a:extLst>
           </p:cNvPr>
@@ -8596,7 +8596,7 @@
           <p:cNvPr id="6" name="Content Placeholder 2">
             <a:extLst>
               <a:ext uri="{FF2B5EF4-FFF2-40B4-BE49-F238E27FC236}">
-                <a16:creationId xmlns="" xmlns:a16="http://schemas.microsoft.com/office/drawing/2014/main" id="{8FD3E7E3-6406-4C87-9E06-5BA40AA66E22}"/>
+                <a16:creationId xmlns:a16="http://schemas.microsoft.com/office/drawing/2014/main" xmlns="" id="{8FD3E7E3-6406-4C87-9E06-5BA40AA66E22}"/>
               </a:ext>
             </a:extLst>
           </p:cNvPr>
@@ -8823,7 +8823,7 @@
           <p:cNvPr id="7" name="Content Placeholder 2">
             <a:extLst>
               <a:ext uri="{FF2B5EF4-FFF2-40B4-BE49-F238E27FC236}">
-                <a16:creationId xmlns="" xmlns:a16="http://schemas.microsoft.com/office/drawing/2014/main" id="{8FD3E7E3-6406-4C87-9E06-5BA40AA66E22}"/>
+                <a16:creationId xmlns:a16="http://schemas.microsoft.com/office/drawing/2014/main" xmlns="" id="{8FD3E7E3-6406-4C87-9E06-5BA40AA66E22}"/>
               </a:ext>
             </a:extLst>
           </p:cNvPr>
@@ -9050,7 +9050,7 @@
           <p:cNvPr id="10" name="Content Placeholder 2">
             <a:extLst>
               <a:ext uri="{FF2B5EF4-FFF2-40B4-BE49-F238E27FC236}">
-                <a16:creationId xmlns="" xmlns:a16="http://schemas.microsoft.com/office/drawing/2014/main" id="{8FD3E7E3-6406-4C87-9E06-5BA40AA66E22}"/>
+                <a16:creationId xmlns:a16="http://schemas.microsoft.com/office/drawing/2014/main" xmlns="" id="{8FD3E7E3-6406-4C87-9E06-5BA40AA66E22}"/>
               </a:ext>
             </a:extLst>
           </p:cNvPr>
@@ -9262,7 +9262,7 @@
           <p:cNvPr id="11" name="Content Placeholder 2">
             <a:extLst>
               <a:ext uri="{FF2B5EF4-FFF2-40B4-BE49-F238E27FC236}">
-                <a16:creationId xmlns="" xmlns:a16="http://schemas.microsoft.com/office/drawing/2014/main" id="{8FD3E7E3-6406-4C87-9E06-5BA40AA66E22}"/>
+                <a16:creationId xmlns:a16="http://schemas.microsoft.com/office/drawing/2014/main" xmlns="" id="{8FD3E7E3-6406-4C87-9E06-5BA40AA66E22}"/>
               </a:ext>
             </a:extLst>
           </p:cNvPr>
@@ -9489,7 +9489,7 @@
           <p:cNvPr id="12" name="Content Placeholder 2">
             <a:extLst>
               <a:ext uri="{FF2B5EF4-FFF2-40B4-BE49-F238E27FC236}">
-                <a16:creationId xmlns="" xmlns:a16="http://schemas.microsoft.com/office/drawing/2014/main" id="{8FD3E7E3-6406-4C87-9E06-5BA40AA66E22}"/>
+                <a16:creationId xmlns:a16="http://schemas.microsoft.com/office/drawing/2014/main" xmlns="" id="{8FD3E7E3-6406-4C87-9E06-5BA40AA66E22}"/>
               </a:ext>
             </a:extLst>
           </p:cNvPr>
@@ -9716,7 +9716,7 @@
           <p:cNvPr id="13" name="Content Placeholder 2">
             <a:extLst>
               <a:ext uri="{FF2B5EF4-FFF2-40B4-BE49-F238E27FC236}">
-                <a16:creationId xmlns="" xmlns:a16="http://schemas.microsoft.com/office/drawing/2014/main" id="{8FD3E7E3-6406-4C87-9E06-5BA40AA66E22}"/>
+                <a16:creationId xmlns:a16="http://schemas.microsoft.com/office/drawing/2014/main" xmlns="" id="{8FD3E7E3-6406-4C87-9E06-5BA40AA66E22}"/>
               </a:ext>
             </a:extLst>
           </p:cNvPr>
@@ -10281,7 +10281,7 @@
           <p:cNvPr id="2" name="Title 1">
             <a:extLst>
               <a:ext uri="{FF2B5EF4-FFF2-40B4-BE49-F238E27FC236}">
-                <a16:creationId xmlns="" xmlns:a16="http://schemas.microsoft.com/office/drawing/2014/main" id="{64FC46BD-FCD3-4070-A2FE-CF068D21089D}"/>
+                <a16:creationId xmlns:a16="http://schemas.microsoft.com/office/drawing/2014/main" xmlns="" id="{64FC46BD-FCD3-4070-A2FE-CF068D21089D}"/>
               </a:ext>
             </a:extLst>
           </p:cNvPr>
@@ -10317,7 +10317,7 @@
           <p:cNvPr id="4" name="Content Placeholder 2">
             <a:extLst>
               <a:ext uri="{FF2B5EF4-FFF2-40B4-BE49-F238E27FC236}">
-                <a16:creationId xmlns="" xmlns:a16="http://schemas.microsoft.com/office/drawing/2014/main" id="{8FD3E7E3-6406-4C87-9E06-5BA40AA66E22}"/>
+                <a16:creationId xmlns:a16="http://schemas.microsoft.com/office/drawing/2014/main" xmlns="" id="{8FD3E7E3-6406-4C87-9E06-5BA40AA66E22}"/>
               </a:ext>
             </a:extLst>
           </p:cNvPr>
@@ -10555,7 +10555,7 @@
           <p:cNvPr id="5" name="Content Placeholder 2">
             <a:extLst>
               <a:ext uri="{FF2B5EF4-FFF2-40B4-BE49-F238E27FC236}">
-                <a16:creationId xmlns="" xmlns:a16="http://schemas.microsoft.com/office/drawing/2014/main" id="{8FD3E7E3-6406-4C87-9E06-5BA40AA66E22}"/>
+                <a16:creationId xmlns:a16="http://schemas.microsoft.com/office/drawing/2014/main" xmlns="" id="{8FD3E7E3-6406-4C87-9E06-5BA40AA66E22}"/>
               </a:ext>
             </a:extLst>
           </p:cNvPr>
@@ -10818,7 +10818,7 @@
           <p:cNvPr id="6" name="Content Placeholder 2">
             <a:extLst>
               <a:ext uri="{FF2B5EF4-FFF2-40B4-BE49-F238E27FC236}">
-                <a16:creationId xmlns="" xmlns:a16="http://schemas.microsoft.com/office/drawing/2014/main" id="{8FD3E7E3-6406-4C87-9E06-5BA40AA66E22}"/>
+                <a16:creationId xmlns:a16="http://schemas.microsoft.com/office/drawing/2014/main" xmlns="" id="{8FD3E7E3-6406-4C87-9E06-5BA40AA66E22}"/>
               </a:ext>
             </a:extLst>
           </p:cNvPr>
@@ -11045,7 +11045,7 @@
           <p:cNvPr id="7" name="Content Placeholder 2">
             <a:extLst>
               <a:ext uri="{FF2B5EF4-FFF2-40B4-BE49-F238E27FC236}">
-                <a16:creationId xmlns="" xmlns:a16="http://schemas.microsoft.com/office/drawing/2014/main" id="{8FD3E7E3-6406-4C87-9E06-5BA40AA66E22}"/>
+                <a16:creationId xmlns:a16="http://schemas.microsoft.com/office/drawing/2014/main" xmlns="" id="{8FD3E7E3-6406-4C87-9E06-5BA40AA66E22}"/>
               </a:ext>
             </a:extLst>
           </p:cNvPr>
@@ -11274,7 +11274,7 @@
               <p:cNvPr id="8" name="Content Placeholder 2">
                 <a:extLst>
                   <a:ext uri="{FF2B5EF4-FFF2-40B4-BE49-F238E27FC236}">
-                    <a16:creationId xmlns="" xmlns:a16="http://schemas.microsoft.com/office/drawing/2014/main" id="{8FD3E7E3-6406-4C87-9E06-5BA40AA66E22}"/>
+                    <a16:creationId xmlns:a16="http://schemas.microsoft.com/office/drawing/2014/main" xmlns="" id="{8FD3E7E3-6406-4C87-9E06-5BA40AA66E22}"/>
                   </a:ext>
                 </a:extLst>
               </p:cNvPr>
@@ -11558,7 +11558,7 @@
           <p:cNvPr id="10" name="Content Placeholder 2">
             <a:extLst>
               <a:ext uri="{FF2B5EF4-FFF2-40B4-BE49-F238E27FC236}">
-                <a16:creationId xmlns="" xmlns:a16="http://schemas.microsoft.com/office/drawing/2014/main" id="{8FD3E7E3-6406-4C87-9E06-5BA40AA66E22}"/>
+                <a16:creationId xmlns:a16="http://schemas.microsoft.com/office/drawing/2014/main" xmlns="" id="{8FD3E7E3-6406-4C87-9E06-5BA40AA66E22}"/>
               </a:ext>
             </a:extLst>
           </p:cNvPr>
@@ -11770,7 +11770,7 @@
           <p:cNvPr id="11" name="Content Placeholder 2">
             <a:extLst>
               <a:ext uri="{FF2B5EF4-FFF2-40B4-BE49-F238E27FC236}">
-                <a16:creationId xmlns="" xmlns:a16="http://schemas.microsoft.com/office/drawing/2014/main" id="{8FD3E7E3-6406-4C87-9E06-5BA40AA66E22}"/>
+                <a16:creationId xmlns:a16="http://schemas.microsoft.com/office/drawing/2014/main" xmlns="" id="{8FD3E7E3-6406-4C87-9E06-5BA40AA66E22}"/>
               </a:ext>
             </a:extLst>
           </p:cNvPr>
@@ -12294,7 +12294,7 @@
           <p:cNvPr id="2" name="Title 1">
             <a:extLst>
               <a:ext uri="{FF2B5EF4-FFF2-40B4-BE49-F238E27FC236}">
-                <a16:creationId xmlns="" xmlns:a16="http://schemas.microsoft.com/office/drawing/2014/main" id="{64FC46BD-FCD3-4070-A2FE-CF068D21089D}"/>
+                <a16:creationId xmlns:a16="http://schemas.microsoft.com/office/drawing/2014/main" xmlns="" id="{64FC46BD-FCD3-4070-A2FE-CF068D21089D}"/>
               </a:ext>
             </a:extLst>
           </p:cNvPr>
@@ -12324,7 +12324,7 @@
           <p:cNvPr id="3" name="Content Placeholder 2">
             <a:extLst>
               <a:ext uri="{FF2B5EF4-FFF2-40B4-BE49-F238E27FC236}">
-                <a16:creationId xmlns="" xmlns:a16="http://schemas.microsoft.com/office/drawing/2014/main" id="{8FD3E7E3-6406-4C87-9E06-5BA40AA66E22}"/>
+                <a16:creationId xmlns:a16="http://schemas.microsoft.com/office/drawing/2014/main" xmlns="" id="{8FD3E7E3-6406-4C87-9E06-5BA40AA66E22}"/>
               </a:ext>
             </a:extLst>
           </p:cNvPr>
@@ -12498,7 +12498,7 @@
           <p:cNvPr id="22" name="Content Placeholder 2">
             <a:extLst>
               <a:ext uri="{FF2B5EF4-FFF2-40B4-BE49-F238E27FC236}">
-                <a16:creationId xmlns="" xmlns:a16="http://schemas.microsoft.com/office/drawing/2014/main" id="{8FD3E7E3-6406-4C87-9E06-5BA40AA66E22}"/>
+                <a16:creationId xmlns:a16="http://schemas.microsoft.com/office/drawing/2014/main" xmlns="" id="{8FD3E7E3-6406-4C87-9E06-5BA40AA66E22}"/>
               </a:ext>
             </a:extLst>
           </p:cNvPr>
@@ -12706,7 +12706,7 @@
           <p:cNvPr id="17" name="Content Placeholder 2">
             <a:extLst>
               <a:ext uri="{FF2B5EF4-FFF2-40B4-BE49-F238E27FC236}">
-                <a16:creationId xmlns="" xmlns:a16="http://schemas.microsoft.com/office/drawing/2014/main" id="{8FD3E7E3-6406-4C87-9E06-5BA40AA66E22}"/>
+                <a16:creationId xmlns:a16="http://schemas.microsoft.com/office/drawing/2014/main" xmlns="" id="{8FD3E7E3-6406-4C87-9E06-5BA40AA66E22}"/>
               </a:ext>
             </a:extLst>
           </p:cNvPr>
@@ -13026,7 +13026,7 @@
           <p:cNvPr id="2" name="Title 1">
             <a:extLst>
               <a:ext uri="{FF2B5EF4-FFF2-40B4-BE49-F238E27FC236}">
-                <a16:creationId xmlns="" xmlns:a16="http://schemas.microsoft.com/office/drawing/2014/main" id="{64FC46BD-FCD3-4070-A2FE-CF068D21089D}"/>
+                <a16:creationId xmlns:a16="http://schemas.microsoft.com/office/drawing/2014/main" xmlns="" id="{64FC46BD-FCD3-4070-A2FE-CF068D21089D}"/>
               </a:ext>
             </a:extLst>
           </p:cNvPr>
@@ -13062,7 +13062,7 @@
           <p:cNvPr id="14" name="Content Placeholder 2">
             <a:extLst>
               <a:ext uri="{FF2B5EF4-FFF2-40B4-BE49-F238E27FC236}">
-                <a16:creationId xmlns="" xmlns:a16="http://schemas.microsoft.com/office/drawing/2014/main" id="{8FD3E7E3-6406-4C87-9E06-5BA40AA66E22}"/>
+                <a16:creationId xmlns:a16="http://schemas.microsoft.com/office/drawing/2014/main" xmlns="" id="{8FD3E7E3-6406-4C87-9E06-5BA40AA66E22}"/>
               </a:ext>
             </a:extLst>
           </p:cNvPr>
@@ -13368,7 +13368,7 @@
           <p:cNvPr id="2" name="Title 1">
             <a:extLst>
               <a:ext uri="{FF2B5EF4-FFF2-40B4-BE49-F238E27FC236}">
-                <a16:creationId xmlns="" xmlns:a16="http://schemas.microsoft.com/office/drawing/2014/main" id="{64FC46BD-FCD3-4070-A2FE-CF068D21089D}"/>
+                <a16:creationId xmlns:a16="http://schemas.microsoft.com/office/drawing/2014/main" xmlns="" id="{64FC46BD-FCD3-4070-A2FE-CF068D21089D}"/>
               </a:ext>
             </a:extLst>
           </p:cNvPr>
@@ -13404,7 +13404,7 @@
           <p:cNvPr id="14" name="Content Placeholder 2">
             <a:extLst>
               <a:ext uri="{FF2B5EF4-FFF2-40B4-BE49-F238E27FC236}">
-                <a16:creationId xmlns="" xmlns:a16="http://schemas.microsoft.com/office/drawing/2014/main" id="{8FD3E7E3-6406-4C87-9E06-5BA40AA66E22}"/>
+                <a16:creationId xmlns:a16="http://schemas.microsoft.com/office/drawing/2014/main" xmlns="" id="{8FD3E7E3-6406-4C87-9E06-5BA40AA66E22}"/>
               </a:ext>
             </a:extLst>
           </p:cNvPr>
@@ -13634,7 +13634,7 @@
           <p:cNvPr id="4" name="Content Placeholder 2">
             <a:extLst>
               <a:ext uri="{FF2B5EF4-FFF2-40B4-BE49-F238E27FC236}">
-                <a16:creationId xmlns="" xmlns:a16="http://schemas.microsoft.com/office/drawing/2014/main" id="{8FD3E7E3-6406-4C87-9E06-5BA40AA66E22}"/>
+                <a16:creationId xmlns:a16="http://schemas.microsoft.com/office/drawing/2014/main" xmlns="" id="{8FD3E7E3-6406-4C87-9E06-5BA40AA66E22}"/>
               </a:ext>
             </a:extLst>
           </p:cNvPr>
@@ -14216,7 +14216,7 @@
           <p:cNvPr id="2" name="Title 1">
             <a:extLst>
               <a:ext uri="{FF2B5EF4-FFF2-40B4-BE49-F238E27FC236}">
-                <a16:creationId xmlns="" xmlns:a16="http://schemas.microsoft.com/office/drawing/2014/main" id="{64FC46BD-FCD3-4070-A2FE-CF068D21089D}"/>
+                <a16:creationId xmlns:a16="http://schemas.microsoft.com/office/drawing/2014/main" xmlns="" id="{64FC46BD-FCD3-4070-A2FE-CF068D21089D}"/>
               </a:ext>
             </a:extLst>
           </p:cNvPr>
@@ -14252,7 +14252,7 @@
           <p:cNvPr id="14" name="Content Placeholder 2">
             <a:extLst>
               <a:ext uri="{FF2B5EF4-FFF2-40B4-BE49-F238E27FC236}">
-                <a16:creationId xmlns="" xmlns:a16="http://schemas.microsoft.com/office/drawing/2014/main" id="{8FD3E7E3-6406-4C87-9E06-5BA40AA66E22}"/>
+                <a16:creationId xmlns:a16="http://schemas.microsoft.com/office/drawing/2014/main" xmlns="" id="{8FD3E7E3-6406-4C87-9E06-5BA40AA66E22}"/>
               </a:ext>
             </a:extLst>
           </p:cNvPr>
@@ -14482,7 +14482,7 @@
           <p:cNvPr id="4" name="Content Placeholder 2">
             <a:extLst>
               <a:ext uri="{FF2B5EF4-FFF2-40B4-BE49-F238E27FC236}">
-                <a16:creationId xmlns="" xmlns:a16="http://schemas.microsoft.com/office/drawing/2014/main" id="{8FD3E7E3-6406-4C87-9E06-5BA40AA66E22}"/>
+                <a16:creationId xmlns:a16="http://schemas.microsoft.com/office/drawing/2014/main" xmlns="" id="{8FD3E7E3-6406-4C87-9E06-5BA40AA66E22}"/>
               </a:ext>
             </a:extLst>
           </p:cNvPr>
@@ -14720,7 +14720,7 @@
           <p:cNvPr id="6" name="Content Placeholder 2">
             <a:extLst>
               <a:ext uri="{FF2B5EF4-FFF2-40B4-BE49-F238E27FC236}">
-                <a16:creationId xmlns="" xmlns:a16="http://schemas.microsoft.com/office/drawing/2014/main" id="{8FD3E7E3-6406-4C87-9E06-5BA40AA66E22}"/>
+                <a16:creationId xmlns:a16="http://schemas.microsoft.com/office/drawing/2014/main" xmlns="" id="{8FD3E7E3-6406-4C87-9E06-5BA40AA66E22}"/>
               </a:ext>
             </a:extLst>
           </p:cNvPr>
@@ -14947,7 +14947,7 @@
           <p:cNvPr id="7" name="Content Placeholder 2">
             <a:extLst>
               <a:ext uri="{FF2B5EF4-FFF2-40B4-BE49-F238E27FC236}">
-                <a16:creationId xmlns="" xmlns:a16="http://schemas.microsoft.com/office/drawing/2014/main" id="{8FD3E7E3-6406-4C87-9E06-5BA40AA66E22}"/>
+                <a16:creationId xmlns:a16="http://schemas.microsoft.com/office/drawing/2014/main" xmlns="" id="{8FD3E7E3-6406-4C87-9E06-5BA40AA66E22}"/>
               </a:ext>
             </a:extLst>
           </p:cNvPr>
@@ -15526,7 +15526,7 @@
           <p:cNvPr id="11" name="Content Placeholder 2">
             <a:extLst>
               <a:ext uri="{FF2B5EF4-FFF2-40B4-BE49-F238E27FC236}">
-                <a16:creationId xmlns="" xmlns:a16="http://schemas.microsoft.com/office/drawing/2014/main" id="{8FD3E7E3-6406-4C87-9E06-5BA40AA66E22}"/>
+                <a16:creationId xmlns:a16="http://schemas.microsoft.com/office/drawing/2014/main" xmlns="" id="{8FD3E7E3-6406-4C87-9E06-5BA40AA66E22}"/>
               </a:ext>
             </a:extLst>
           </p:cNvPr>
@@ -15753,7 +15753,7 @@
           <p:cNvPr id="12" name="Content Placeholder 2">
             <a:extLst>
               <a:ext uri="{FF2B5EF4-FFF2-40B4-BE49-F238E27FC236}">
-                <a16:creationId xmlns="" xmlns:a16="http://schemas.microsoft.com/office/drawing/2014/main" id="{8FD3E7E3-6406-4C87-9E06-5BA40AA66E22}"/>
+                <a16:creationId xmlns:a16="http://schemas.microsoft.com/office/drawing/2014/main" xmlns="" id="{8FD3E7E3-6406-4C87-9E06-5BA40AA66E22}"/>
               </a:ext>
             </a:extLst>
           </p:cNvPr>
@@ -15982,7 +15982,7 @@
               <p:cNvPr id="13" name="Content Placeholder 2">
                 <a:extLst>
                   <a:ext uri="{FF2B5EF4-FFF2-40B4-BE49-F238E27FC236}">
-                    <a16:creationId xmlns="" xmlns:a16="http://schemas.microsoft.com/office/drawing/2014/main" id="{8FD3E7E3-6406-4C87-9E06-5BA40AA66E22}"/>
+                    <a16:creationId xmlns:a16="http://schemas.microsoft.com/office/drawing/2014/main" xmlns="" id="{8FD3E7E3-6406-4C87-9E06-5BA40AA66E22}"/>
                   </a:ext>
                 </a:extLst>
               </p:cNvPr>
@@ -16266,7 +16266,7 @@
           <p:cNvPr id="15" name="Content Placeholder 2">
             <a:extLst>
               <a:ext uri="{FF2B5EF4-FFF2-40B4-BE49-F238E27FC236}">
-                <a16:creationId xmlns="" xmlns:a16="http://schemas.microsoft.com/office/drawing/2014/main" id="{8FD3E7E3-6406-4C87-9E06-5BA40AA66E22}"/>
+                <a16:creationId xmlns:a16="http://schemas.microsoft.com/office/drawing/2014/main" xmlns="" id="{8FD3E7E3-6406-4C87-9E06-5BA40AA66E22}"/>
               </a:ext>
             </a:extLst>
           </p:cNvPr>
@@ -16811,7 +16811,7 @@
           <p:cNvPr id="2" name="Title 1">
             <a:extLst>
               <a:ext uri="{FF2B5EF4-FFF2-40B4-BE49-F238E27FC236}">
-                <a16:creationId xmlns="" xmlns:a16="http://schemas.microsoft.com/office/drawing/2014/main" id="{64FC46BD-FCD3-4070-A2FE-CF068D21089D}"/>
+                <a16:creationId xmlns:a16="http://schemas.microsoft.com/office/drawing/2014/main" xmlns="" id="{64FC46BD-FCD3-4070-A2FE-CF068D21089D}"/>
               </a:ext>
             </a:extLst>
           </p:cNvPr>
@@ -16847,7 +16847,7 @@
           <p:cNvPr id="4" name="Content Placeholder 2">
             <a:extLst>
               <a:ext uri="{FF2B5EF4-FFF2-40B4-BE49-F238E27FC236}">
-                <a16:creationId xmlns="" xmlns:a16="http://schemas.microsoft.com/office/drawing/2014/main" id="{8FD3E7E3-6406-4C87-9E06-5BA40AA66E22}"/>
+                <a16:creationId xmlns:a16="http://schemas.microsoft.com/office/drawing/2014/main" xmlns="" id="{8FD3E7E3-6406-4C87-9E06-5BA40AA66E22}"/>
               </a:ext>
             </a:extLst>
           </p:cNvPr>
@@ -17074,7 +17074,7 @@
           <p:cNvPr id="15" name="Content Placeholder 2">
             <a:extLst>
               <a:ext uri="{FF2B5EF4-FFF2-40B4-BE49-F238E27FC236}">
-                <a16:creationId xmlns="" xmlns:a16="http://schemas.microsoft.com/office/drawing/2014/main" id="{8FD3E7E3-6406-4C87-9E06-5BA40AA66E22}"/>
+                <a16:creationId xmlns:a16="http://schemas.microsoft.com/office/drawing/2014/main" xmlns="" id="{8FD3E7E3-6406-4C87-9E06-5BA40AA66E22}"/>
               </a:ext>
             </a:extLst>
           </p:cNvPr>
@@ -17425,7 +17425,7 @@
           <p:cNvPr id="2" name="Title 1">
             <a:extLst>
               <a:ext uri="{FF2B5EF4-FFF2-40B4-BE49-F238E27FC236}">
-                <a16:creationId xmlns="" xmlns:a16="http://schemas.microsoft.com/office/drawing/2014/main" id="{64FC46BD-FCD3-4070-A2FE-CF068D21089D}"/>
+                <a16:creationId xmlns:a16="http://schemas.microsoft.com/office/drawing/2014/main" xmlns="" id="{64FC46BD-FCD3-4070-A2FE-CF068D21089D}"/>
               </a:ext>
             </a:extLst>
           </p:cNvPr>
@@ -17461,7 +17461,7 @@
           <p:cNvPr id="14" name="Content Placeholder 2">
             <a:extLst>
               <a:ext uri="{FF2B5EF4-FFF2-40B4-BE49-F238E27FC236}">
-                <a16:creationId xmlns="" xmlns:a16="http://schemas.microsoft.com/office/drawing/2014/main" id="{8FD3E7E3-6406-4C87-9E06-5BA40AA66E22}"/>
+                <a16:creationId xmlns:a16="http://schemas.microsoft.com/office/drawing/2014/main" xmlns="" id="{8FD3E7E3-6406-4C87-9E06-5BA40AA66E22}"/>
               </a:ext>
             </a:extLst>
           </p:cNvPr>
@@ -17751,7 +17751,7 @@
           <p:cNvPr id="2" name="Title 1">
             <a:extLst>
               <a:ext uri="{FF2B5EF4-FFF2-40B4-BE49-F238E27FC236}">
-                <a16:creationId xmlns="" xmlns:a16="http://schemas.microsoft.com/office/drawing/2014/main" id="{64FC46BD-FCD3-4070-A2FE-CF068D21089D}"/>
+                <a16:creationId xmlns:a16="http://schemas.microsoft.com/office/drawing/2014/main" xmlns="" id="{64FC46BD-FCD3-4070-A2FE-CF068D21089D}"/>
               </a:ext>
             </a:extLst>
           </p:cNvPr>
@@ -17787,7 +17787,7 @@
           <p:cNvPr id="14" name="Content Placeholder 2">
             <a:extLst>
               <a:ext uri="{FF2B5EF4-FFF2-40B4-BE49-F238E27FC236}">
-                <a16:creationId xmlns="" xmlns:a16="http://schemas.microsoft.com/office/drawing/2014/main" id="{8FD3E7E3-6406-4C87-9E06-5BA40AA66E22}"/>
+                <a16:creationId xmlns:a16="http://schemas.microsoft.com/office/drawing/2014/main" xmlns="" id="{8FD3E7E3-6406-4C87-9E06-5BA40AA66E22}"/>
               </a:ext>
             </a:extLst>
           </p:cNvPr>
@@ -18030,7 +18030,7 @@
           <p:cNvPr id="4" name="Content Placeholder 2">
             <a:extLst>
               <a:ext uri="{FF2B5EF4-FFF2-40B4-BE49-F238E27FC236}">
-                <a16:creationId xmlns="" xmlns:a16="http://schemas.microsoft.com/office/drawing/2014/main" id="{8FD3E7E3-6406-4C87-9E06-5BA40AA66E22}"/>
+                <a16:creationId xmlns:a16="http://schemas.microsoft.com/office/drawing/2014/main" xmlns="" id="{8FD3E7E3-6406-4C87-9E06-5BA40AA66E22}"/>
               </a:ext>
             </a:extLst>
           </p:cNvPr>
@@ -18606,7 +18606,7 @@
           <p:cNvPr id="2" name="Title 1">
             <a:extLst>
               <a:ext uri="{FF2B5EF4-FFF2-40B4-BE49-F238E27FC236}">
-                <a16:creationId xmlns="" xmlns:a16="http://schemas.microsoft.com/office/drawing/2014/main" id="{64FC46BD-FCD3-4070-A2FE-CF068D21089D}"/>
+                <a16:creationId xmlns:a16="http://schemas.microsoft.com/office/drawing/2014/main" xmlns="" id="{64FC46BD-FCD3-4070-A2FE-CF068D21089D}"/>
               </a:ext>
             </a:extLst>
           </p:cNvPr>
@@ -18642,7 +18642,7 @@
           <p:cNvPr id="4" name="Content Placeholder 2">
             <a:extLst>
               <a:ext uri="{FF2B5EF4-FFF2-40B4-BE49-F238E27FC236}">
-                <a16:creationId xmlns="" xmlns:a16="http://schemas.microsoft.com/office/drawing/2014/main" id="{8FD3E7E3-6406-4C87-9E06-5BA40AA66E22}"/>
+                <a16:creationId xmlns:a16="http://schemas.microsoft.com/office/drawing/2014/main" xmlns="" id="{8FD3E7E3-6406-4C87-9E06-5BA40AA66E22}"/>
               </a:ext>
             </a:extLst>
           </p:cNvPr>
@@ -18880,7 +18880,7 @@
           <p:cNvPr id="6" name="Content Placeholder 2">
             <a:extLst>
               <a:ext uri="{FF2B5EF4-FFF2-40B4-BE49-F238E27FC236}">
-                <a16:creationId xmlns="" xmlns:a16="http://schemas.microsoft.com/office/drawing/2014/main" id="{8FD3E7E3-6406-4C87-9E06-5BA40AA66E22}"/>
+                <a16:creationId xmlns:a16="http://schemas.microsoft.com/office/drawing/2014/main" xmlns="" id="{8FD3E7E3-6406-4C87-9E06-5BA40AA66E22}"/>
               </a:ext>
             </a:extLst>
           </p:cNvPr>
@@ -19092,7 +19092,7 @@
           <p:cNvPr id="7" name="Content Placeholder 2">
             <a:extLst>
               <a:ext uri="{FF2B5EF4-FFF2-40B4-BE49-F238E27FC236}">
-                <a16:creationId xmlns="" xmlns:a16="http://schemas.microsoft.com/office/drawing/2014/main" id="{8FD3E7E3-6406-4C87-9E06-5BA40AA66E22}"/>
+                <a16:creationId xmlns:a16="http://schemas.microsoft.com/office/drawing/2014/main" xmlns="" id="{8FD3E7E3-6406-4C87-9E06-5BA40AA66E22}"/>
               </a:ext>
             </a:extLst>
           </p:cNvPr>
@@ -19638,7 +19638,7 @@
           <p:cNvPr id="15" name="Content Placeholder 2">
             <a:extLst>
               <a:ext uri="{FF2B5EF4-FFF2-40B4-BE49-F238E27FC236}">
-                <a16:creationId xmlns="" xmlns:a16="http://schemas.microsoft.com/office/drawing/2014/main" id="{8FD3E7E3-6406-4C87-9E06-5BA40AA66E22}"/>
+                <a16:creationId xmlns:a16="http://schemas.microsoft.com/office/drawing/2014/main" xmlns="" id="{8FD3E7E3-6406-4C87-9E06-5BA40AA66E22}"/>
               </a:ext>
             </a:extLst>
           </p:cNvPr>
@@ -19845,7 +19845,7 @@
           <p:cNvPr id="9" name="Content Placeholder 2">
             <a:extLst>
               <a:ext uri="{FF2B5EF4-FFF2-40B4-BE49-F238E27FC236}">
-                <a16:creationId xmlns="" xmlns:a16="http://schemas.microsoft.com/office/drawing/2014/main" id="{8FD3E7E3-6406-4C87-9E06-5BA40AA66E22}"/>
+                <a16:creationId xmlns:a16="http://schemas.microsoft.com/office/drawing/2014/main" xmlns="" id="{8FD3E7E3-6406-4C87-9E06-5BA40AA66E22}"/>
               </a:ext>
             </a:extLst>
           </p:cNvPr>
@@ -20288,7 +20288,7 @@
           <p:cNvPr id="2" name="Title 1">
             <a:extLst>
               <a:ext uri="{FF2B5EF4-FFF2-40B4-BE49-F238E27FC236}">
-                <a16:creationId xmlns="" xmlns:a16="http://schemas.microsoft.com/office/drawing/2014/main" id="{64FC46BD-FCD3-4070-A2FE-CF068D21089D}"/>
+                <a16:creationId xmlns:a16="http://schemas.microsoft.com/office/drawing/2014/main" xmlns="" id="{64FC46BD-FCD3-4070-A2FE-CF068D21089D}"/>
               </a:ext>
             </a:extLst>
           </p:cNvPr>
@@ -20324,7 +20324,7 @@
           <p:cNvPr id="4" name="Content Placeholder 2">
             <a:extLst>
               <a:ext uri="{FF2B5EF4-FFF2-40B4-BE49-F238E27FC236}">
-                <a16:creationId xmlns="" xmlns:a16="http://schemas.microsoft.com/office/drawing/2014/main" id="{8FD3E7E3-6406-4C87-9E06-5BA40AA66E22}"/>
+                <a16:creationId xmlns:a16="http://schemas.microsoft.com/office/drawing/2014/main" xmlns="" id="{8FD3E7E3-6406-4C87-9E06-5BA40AA66E22}"/>
               </a:ext>
             </a:extLst>
           </p:cNvPr>
@@ -20905,7 +20905,7 @@
           <p:cNvPr id="7" name="Content Placeholder 2">
             <a:extLst>
               <a:ext uri="{FF2B5EF4-FFF2-40B4-BE49-F238E27FC236}">
-                <a16:creationId xmlns="" xmlns:a16="http://schemas.microsoft.com/office/drawing/2014/main" id="{8FD3E7E3-6406-4C87-9E06-5BA40AA66E22}"/>
+                <a16:creationId xmlns:a16="http://schemas.microsoft.com/office/drawing/2014/main" xmlns="" id="{8FD3E7E3-6406-4C87-9E06-5BA40AA66E22}"/>
               </a:ext>
             </a:extLst>
           </p:cNvPr>
@@ -21119,7 +21119,7 @@
               <p:cNvPr id="8" name="Content Placeholder 2">
                 <a:extLst>
                   <a:ext uri="{FF2B5EF4-FFF2-40B4-BE49-F238E27FC236}">
-                    <a16:creationId xmlns="" xmlns:a16="http://schemas.microsoft.com/office/drawing/2014/main" id="{8FD3E7E3-6406-4C87-9E06-5BA40AA66E22}"/>
+                    <a16:creationId xmlns:a16="http://schemas.microsoft.com/office/drawing/2014/main" xmlns="" id="{8FD3E7E3-6406-4C87-9E06-5BA40AA66E22}"/>
                   </a:ext>
                 </a:extLst>
               </p:cNvPr>
@@ -21387,14 +21387,14 @@
           </p:sp>
         </mc:Fallback>
       </mc:AlternateContent>
-      <mc:AlternateContent xmlns:mc="http://schemas.openxmlformats.org/markup-compatibility/2006">
-        <mc:Choice xmlns:a14="http://schemas.microsoft.com/office/drawing/2010/main" Requires="a14">
+      <mc:AlternateContent xmlns:mc="http://schemas.openxmlformats.org/markup-compatibility/2006" xmlns:a14="http://schemas.microsoft.com/office/drawing/2010/main">
+        <mc:Choice Requires="a14">
           <p:sp>
             <p:nvSpPr>
               <p:cNvPr id="9" name="Content Placeholder 2">
                 <a:extLst>
                   <a:ext uri="{FF2B5EF4-FFF2-40B4-BE49-F238E27FC236}">
-                    <a16:creationId xmlns="" xmlns:a16="http://schemas.microsoft.com/office/drawing/2014/main" id="{8FD3E7E3-6406-4C87-9E06-5BA40AA66E22}"/>
+                    <a16:creationId xmlns:a16="http://schemas.microsoft.com/office/drawing/2014/main" xmlns="" id="{8FD3E7E3-6406-4C87-9E06-5BA40AA66E22}"/>
                   </a:ext>
                 </a:extLst>
               </p:cNvPr>
@@ -21636,7 +21636,7 @@
             </p:txBody>
           </p:sp>
         </mc:Choice>
-        <mc:Fallback>
+        <mc:Fallback xmlns="">
           <p:sp>
             <p:nvSpPr>
               <p:cNvPr id="9" name="Content Placeholder 2">
@@ -21686,7 +21686,7 @@
           <p:cNvPr id="10" name="Content Placeholder 2">
             <a:extLst>
               <a:ext uri="{FF2B5EF4-FFF2-40B4-BE49-F238E27FC236}">
-                <a16:creationId xmlns="" xmlns:a16="http://schemas.microsoft.com/office/drawing/2014/main" id="{8FD3E7E3-6406-4C87-9E06-5BA40AA66E22}"/>
+                <a16:creationId xmlns:a16="http://schemas.microsoft.com/office/drawing/2014/main" xmlns="" id="{8FD3E7E3-6406-4C87-9E06-5BA40AA66E22}"/>
               </a:ext>
             </a:extLst>
           </p:cNvPr>
@@ -21898,7 +21898,7 @@
           <p:cNvPr id="11" name="Content Placeholder 2">
             <a:extLst>
               <a:ext uri="{FF2B5EF4-FFF2-40B4-BE49-F238E27FC236}">
-                <a16:creationId xmlns="" xmlns:a16="http://schemas.microsoft.com/office/drawing/2014/main" id="{8FD3E7E3-6406-4C87-9E06-5BA40AA66E22}"/>
+                <a16:creationId xmlns:a16="http://schemas.microsoft.com/office/drawing/2014/main" xmlns="" id="{8FD3E7E3-6406-4C87-9E06-5BA40AA66E22}"/>
               </a:ext>
             </a:extLst>
           </p:cNvPr>
@@ -22110,7 +22110,7 @@
           <p:cNvPr id="12" name="Content Placeholder 2">
             <a:extLst>
               <a:ext uri="{FF2B5EF4-FFF2-40B4-BE49-F238E27FC236}">
-                <a16:creationId xmlns="" xmlns:a16="http://schemas.microsoft.com/office/drawing/2014/main" id="{8FD3E7E3-6406-4C87-9E06-5BA40AA66E22}"/>
+                <a16:creationId xmlns:a16="http://schemas.microsoft.com/office/drawing/2014/main" xmlns="" id="{8FD3E7E3-6406-4C87-9E06-5BA40AA66E22}"/>
               </a:ext>
             </a:extLst>
           </p:cNvPr>
@@ -22322,7 +22322,7 @@
           <p:cNvPr id="13" name="Content Placeholder 2">
             <a:extLst>
               <a:ext uri="{FF2B5EF4-FFF2-40B4-BE49-F238E27FC236}">
-                <a16:creationId xmlns="" xmlns:a16="http://schemas.microsoft.com/office/drawing/2014/main" id="{8FD3E7E3-6406-4C87-9E06-5BA40AA66E22}"/>
+                <a16:creationId xmlns:a16="http://schemas.microsoft.com/office/drawing/2014/main" xmlns="" id="{8FD3E7E3-6406-4C87-9E06-5BA40AA66E22}"/>
               </a:ext>
             </a:extLst>
           </p:cNvPr>
@@ -22534,7 +22534,7 @@
           <p:cNvPr id="14" name="Content Placeholder 2">
             <a:extLst>
               <a:ext uri="{FF2B5EF4-FFF2-40B4-BE49-F238E27FC236}">
-                <a16:creationId xmlns="" xmlns:a16="http://schemas.microsoft.com/office/drawing/2014/main" id="{8FD3E7E3-6406-4C87-9E06-5BA40AA66E22}"/>
+                <a16:creationId xmlns:a16="http://schemas.microsoft.com/office/drawing/2014/main" xmlns="" id="{8FD3E7E3-6406-4C87-9E06-5BA40AA66E22}"/>
               </a:ext>
             </a:extLst>
           </p:cNvPr>
@@ -22741,7 +22741,7 @@
           <p:cNvPr id="16" name="Content Placeholder 2">
             <a:extLst>
               <a:ext uri="{FF2B5EF4-FFF2-40B4-BE49-F238E27FC236}">
-                <a16:creationId xmlns="" xmlns:a16="http://schemas.microsoft.com/office/drawing/2014/main" id="{8FD3E7E3-6406-4C87-9E06-5BA40AA66E22}"/>
+                <a16:creationId xmlns:a16="http://schemas.microsoft.com/office/drawing/2014/main" xmlns="" id="{8FD3E7E3-6406-4C87-9E06-5BA40AA66E22}"/>
               </a:ext>
             </a:extLst>
           </p:cNvPr>
@@ -23414,7 +23414,7 @@
           <p:cNvPr id="2" name="Title 1">
             <a:extLst>
               <a:ext uri="{FF2B5EF4-FFF2-40B4-BE49-F238E27FC236}">
-                <a16:creationId xmlns:a16="http://schemas.microsoft.com/office/drawing/2014/main" xmlns="" id="{64FC46BD-FCD3-4070-A2FE-CF068D21089D}"/>
+                <a16:creationId xmlns="" xmlns:a16="http://schemas.microsoft.com/office/drawing/2014/main" id="{64FC46BD-FCD3-4070-A2FE-CF068D21089D}"/>
               </a:ext>
             </a:extLst>
           </p:cNvPr>
@@ -23450,7 +23450,7 @@
           <p:cNvPr id="14" name="Content Placeholder 2">
             <a:extLst>
               <a:ext uri="{FF2B5EF4-FFF2-40B4-BE49-F238E27FC236}">
-                <a16:creationId xmlns:a16="http://schemas.microsoft.com/office/drawing/2014/main" xmlns="" id="{8FD3E7E3-6406-4C87-9E06-5BA40AA66E22}"/>
+                <a16:creationId xmlns="" xmlns:a16="http://schemas.microsoft.com/office/drawing/2014/main" id="{8FD3E7E3-6406-4C87-9E06-5BA40AA66E22}"/>
               </a:ext>
             </a:extLst>
           </p:cNvPr>
@@ -23758,7 +23758,7 @@
           <p:cNvPr id="2" name="Title 1">
             <a:extLst>
               <a:ext uri="{FF2B5EF4-FFF2-40B4-BE49-F238E27FC236}">
-                <a16:creationId xmlns:a16="http://schemas.microsoft.com/office/drawing/2014/main" xmlns="" id="{64FC46BD-FCD3-4070-A2FE-CF068D21089D}"/>
+                <a16:creationId xmlns="" xmlns:a16="http://schemas.microsoft.com/office/drawing/2014/main" id="{64FC46BD-FCD3-4070-A2FE-CF068D21089D}"/>
               </a:ext>
             </a:extLst>
           </p:cNvPr>
@@ -23794,7 +23794,7 @@
           <p:cNvPr id="14" name="Content Placeholder 2">
             <a:extLst>
               <a:ext uri="{FF2B5EF4-FFF2-40B4-BE49-F238E27FC236}">
-                <a16:creationId xmlns:a16="http://schemas.microsoft.com/office/drawing/2014/main" xmlns="" id="{8FD3E7E3-6406-4C87-9E06-5BA40AA66E22}"/>
+                <a16:creationId xmlns="" xmlns:a16="http://schemas.microsoft.com/office/drawing/2014/main" id="{8FD3E7E3-6406-4C87-9E06-5BA40AA66E22}"/>
               </a:ext>
             </a:extLst>
           </p:cNvPr>
@@ -24035,7 +24035,7 @@
           <p:cNvPr id="4" name="Content Placeholder 2">
             <a:extLst>
               <a:ext uri="{FF2B5EF4-FFF2-40B4-BE49-F238E27FC236}">
-                <a16:creationId xmlns:a16="http://schemas.microsoft.com/office/drawing/2014/main" xmlns="" id="{8FD3E7E3-6406-4C87-9E06-5BA40AA66E22}"/>
+                <a16:creationId xmlns="" xmlns:a16="http://schemas.microsoft.com/office/drawing/2014/main" id="{8FD3E7E3-6406-4C87-9E06-5BA40AA66E22}"/>
               </a:ext>
             </a:extLst>
           </p:cNvPr>
@@ -24683,7 +24683,7 @@
           <p:cNvPr id="2" name="Title 1">
             <a:extLst>
               <a:ext uri="{FF2B5EF4-FFF2-40B4-BE49-F238E27FC236}">
-                <a16:creationId xmlns="" xmlns:a16="http://schemas.microsoft.com/office/drawing/2014/main" id="{64FC46BD-FCD3-4070-A2FE-CF068D21089D}"/>
+                <a16:creationId xmlns:a16="http://schemas.microsoft.com/office/drawing/2014/main" xmlns="" id="{64FC46BD-FCD3-4070-A2FE-CF068D21089D}"/>
               </a:ext>
             </a:extLst>
           </p:cNvPr>
@@ -24713,7 +24713,7 @@
           <p:cNvPr id="3" name="Content Placeholder 2">
             <a:extLst>
               <a:ext uri="{FF2B5EF4-FFF2-40B4-BE49-F238E27FC236}">
-                <a16:creationId xmlns="" xmlns:a16="http://schemas.microsoft.com/office/drawing/2014/main" id="{8FD3E7E3-6406-4C87-9E06-5BA40AA66E22}"/>
+                <a16:creationId xmlns:a16="http://schemas.microsoft.com/office/drawing/2014/main" xmlns="" id="{8FD3E7E3-6406-4C87-9E06-5BA40AA66E22}"/>
               </a:ext>
             </a:extLst>
           </p:cNvPr>
@@ -24990,7 +24990,7 @@
           <p:cNvPr id="22" name="Content Placeholder 2">
             <a:extLst>
               <a:ext uri="{FF2B5EF4-FFF2-40B4-BE49-F238E27FC236}">
-                <a16:creationId xmlns="" xmlns:a16="http://schemas.microsoft.com/office/drawing/2014/main" id="{8FD3E7E3-6406-4C87-9E06-5BA40AA66E22}"/>
+                <a16:creationId xmlns:a16="http://schemas.microsoft.com/office/drawing/2014/main" xmlns="" id="{8FD3E7E3-6406-4C87-9E06-5BA40AA66E22}"/>
               </a:ext>
             </a:extLst>
           </p:cNvPr>
@@ -25229,7 +25229,7 @@
           <p:cNvPr id="16" name="Content Placeholder 2">
             <a:extLst>
               <a:ext uri="{FF2B5EF4-FFF2-40B4-BE49-F238E27FC236}">
-                <a16:creationId xmlns="" xmlns:a16="http://schemas.microsoft.com/office/drawing/2014/main" id="{8FD3E7E3-6406-4C87-9E06-5BA40AA66E22}"/>
+                <a16:creationId xmlns:a16="http://schemas.microsoft.com/office/drawing/2014/main" xmlns="" id="{8FD3E7E3-6406-4C87-9E06-5BA40AA66E22}"/>
               </a:ext>
             </a:extLst>
           </p:cNvPr>
@@ -25437,7 +25437,7 @@
           <p:cNvPr id="17" name="Content Placeholder 2">
             <a:extLst>
               <a:ext uri="{FF2B5EF4-FFF2-40B4-BE49-F238E27FC236}">
-                <a16:creationId xmlns="" xmlns:a16="http://schemas.microsoft.com/office/drawing/2014/main" id="{8FD3E7E3-6406-4C87-9E06-5BA40AA66E22}"/>
+                <a16:creationId xmlns:a16="http://schemas.microsoft.com/office/drawing/2014/main" xmlns="" id="{8FD3E7E3-6406-4C87-9E06-5BA40AA66E22}"/>
               </a:ext>
             </a:extLst>
           </p:cNvPr>
@@ -25757,7 +25757,7 @@
           <p:cNvPr id="2" name="Title 1">
             <a:extLst>
               <a:ext uri="{FF2B5EF4-FFF2-40B4-BE49-F238E27FC236}">
-                <a16:creationId xmlns:a16="http://schemas.microsoft.com/office/drawing/2014/main" xmlns="" id="{64FC46BD-FCD3-4070-A2FE-CF068D21089D}"/>
+                <a16:creationId xmlns="" xmlns:a16="http://schemas.microsoft.com/office/drawing/2014/main" id="{64FC46BD-FCD3-4070-A2FE-CF068D21089D}"/>
               </a:ext>
             </a:extLst>
           </p:cNvPr>
@@ -25793,7 +25793,7 @@
           <p:cNvPr id="14" name="Content Placeholder 2">
             <a:extLst>
               <a:ext uri="{FF2B5EF4-FFF2-40B4-BE49-F238E27FC236}">
-                <a16:creationId xmlns:a16="http://schemas.microsoft.com/office/drawing/2014/main" xmlns="" id="{8FD3E7E3-6406-4C87-9E06-5BA40AA66E22}"/>
+                <a16:creationId xmlns="" xmlns:a16="http://schemas.microsoft.com/office/drawing/2014/main" id="{8FD3E7E3-6406-4C87-9E06-5BA40AA66E22}"/>
               </a:ext>
             </a:extLst>
           </p:cNvPr>
@@ -26034,7 +26034,7 @@
           <p:cNvPr id="4" name="Content Placeholder 2">
             <a:extLst>
               <a:ext uri="{FF2B5EF4-FFF2-40B4-BE49-F238E27FC236}">
-                <a16:creationId xmlns:a16="http://schemas.microsoft.com/office/drawing/2014/main" xmlns="" id="{8FD3E7E3-6406-4C87-9E06-5BA40AA66E22}"/>
+                <a16:creationId xmlns="" xmlns:a16="http://schemas.microsoft.com/office/drawing/2014/main" id="{8FD3E7E3-6406-4C87-9E06-5BA40AA66E22}"/>
               </a:ext>
             </a:extLst>
           </p:cNvPr>
@@ -26663,7 +26663,7 @@
           <p:cNvPr id="10" name="Content Placeholder 2">
             <a:extLst>
               <a:ext uri="{FF2B5EF4-FFF2-40B4-BE49-F238E27FC236}">
-                <a16:creationId xmlns:a16="http://schemas.microsoft.com/office/drawing/2014/main" xmlns="" id="{8FD3E7E3-6406-4C87-9E06-5BA40AA66E22}"/>
+                <a16:creationId xmlns="" xmlns:a16="http://schemas.microsoft.com/office/drawing/2014/main" id="{8FD3E7E3-6406-4C87-9E06-5BA40AA66E22}"/>
               </a:ext>
             </a:extLst>
           </p:cNvPr>
@@ -26929,7 +26929,7 @@
           <p:cNvPr id="2" name="Title 1">
             <a:extLst>
               <a:ext uri="{FF2B5EF4-FFF2-40B4-BE49-F238E27FC236}">
-                <a16:creationId xmlns:a16="http://schemas.microsoft.com/office/drawing/2014/main" xmlns="" id="{64FC46BD-FCD3-4070-A2FE-CF068D21089D}"/>
+                <a16:creationId xmlns="" xmlns:a16="http://schemas.microsoft.com/office/drawing/2014/main" id="{64FC46BD-FCD3-4070-A2FE-CF068D21089D}"/>
               </a:ext>
             </a:extLst>
           </p:cNvPr>
@@ -26965,7 +26965,7 @@
           <p:cNvPr id="14" name="Content Placeholder 2">
             <a:extLst>
               <a:ext uri="{FF2B5EF4-FFF2-40B4-BE49-F238E27FC236}">
-                <a16:creationId xmlns:a16="http://schemas.microsoft.com/office/drawing/2014/main" xmlns="" id="{8FD3E7E3-6406-4C87-9E06-5BA40AA66E22}"/>
+                <a16:creationId xmlns="" xmlns:a16="http://schemas.microsoft.com/office/drawing/2014/main" id="{8FD3E7E3-6406-4C87-9E06-5BA40AA66E22}"/>
               </a:ext>
             </a:extLst>
           </p:cNvPr>
@@ -27206,7 +27206,7 @@
           <p:cNvPr id="4" name="Content Placeholder 2">
             <a:extLst>
               <a:ext uri="{FF2B5EF4-FFF2-40B4-BE49-F238E27FC236}">
-                <a16:creationId xmlns:a16="http://schemas.microsoft.com/office/drawing/2014/main" xmlns="" id="{8FD3E7E3-6406-4C87-9E06-5BA40AA66E22}"/>
+                <a16:creationId xmlns="" xmlns:a16="http://schemas.microsoft.com/office/drawing/2014/main" id="{8FD3E7E3-6406-4C87-9E06-5BA40AA66E22}"/>
               </a:ext>
             </a:extLst>
           </p:cNvPr>
@@ -27890,7 +27890,7 @@
           <p:cNvPr id="2" name="Title 1">
             <a:extLst>
               <a:ext uri="{FF2B5EF4-FFF2-40B4-BE49-F238E27FC236}">
-                <a16:creationId xmlns:a16="http://schemas.microsoft.com/office/drawing/2014/main" xmlns="" id="{64FC46BD-FCD3-4070-A2FE-CF068D21089D}"/>
+                <a16:creationId xmlns="" xmlns:a16="http://schemas.microsoft.com/office/drawing/2014/main" id="{64FC46BD-FCD3-4070-A2FE-CF068D21089D}"/>
               </a:ext>
             </a:extLst>
           </p:cNvPr>
@@ -27926,7 +27926,7 @@
           <p:cNvPr id="14" name="Content Placeholder 2">
             <a:extLst>
               <a:ext uri="{FF2B5EF4-FFF2-40B4-BE49-F238E27FC236}">
-                <a16:creationId xmlns:a16="http://schemas.microsoft.com/office/drawing/2014/main" xmlns="" id="{8FD3E7E3-6406-4C87-9E06-5BA40AA66E22}"/>
+                <a16:creationId xmlns="" xmlns:a16="http://schemas.microsoft.com/office/drawing/2014/main" id="{8FD3E7E3-6406-4C87-9E06-5BA40AA66E22}"/>
               </a:ext>
             </a:extLst>
           </p:cNvPr>
@@ -28167,7 +28167,7 @@
           <p:cNvPr id="4" name="Content Placeholder 2">
             <a:extLst>
               <a:ext uri="{FF2B5EF4-FFF2-40B4-BE49-F238E27FC236}">
-                <a16:creationId xmlns:a16="http://schemas.microsoft.com/office/drawing/2014/main" xmlns="" id="{8FD3E7E3-6406-4C87-9E06-5BA40AA66E22}"/>
+                <a16:creationId xmlns="" xmlns:a16="http://schemas.microsoft.com/office/drawing/2014/main" id="{8FD3E7E3-6406-4C87-9E06-5BA40AA66E22}"/>
               </a:ext>
             </a:extLst>
           </p:cNvPr>
@@ -28814,7 +28814,7 @@
           <p:cNvPr id="10" name="Content Placeholder 2">
             <a:extLst>
               <a:ext uri="{FF2B5EF4-FFF2-40B4-BE49-F238E27FC236}">
-                <a16:creationId xmlns:a16="http://schemas.microsoft.com/office/drawing/2014/main" xmlns="" id="{8FD3E7E3-6406-4C87-9E06-5BA40AA66E22}"/>
+                <a16:creationId xmlns="" xmlns:a16="http://schemas.microsoft.com/office/drawing/2014/main" id="{8FD3E7E3-6406-4C87-9E06-5BA40AA66E22}"/>
               </a:ext>
             </a:extLst>
           </p:cNvPr>
@@ -29041,7 +29041,7 @@
           <p:cNvPr id="11" name="Content Placeholder 2">
             <a:extLst>
               <a:ext uri="{FF2B5EF4-FFF2-40B4-BE49-F238E27FC236}">
-                <a16:creationId xmlns:a16="http://schemas.microsoft.com/office/drawing/2014/main" xmlns="" id="{8FD3E7E3-6406-4C87-9E06-5BA40AA66E22}"/>
+                <a16:creationId xmlns="" xmlns:a16="http://schemas.microsoft.com/office/drawing/2014/main" id="{8FD3E7E3-6406-4C87-9E06-5BA40AA66E22}"/>
               </a:ext>
             </a:extLst>
           </p:cNvPr>
@@ -29305,7 +29305,7 @@
           <p:cNvPr id="2" name="Title 1">
             <a:extLst>
               <a:ext uri="{FF2B5EF4-FFF2-40B4-BE49-F238E27FC236}">
-                <a16:creationId xmlns:a16="http://schemas.microsoft.com/office/drawing/2014/main" xmlns="" id="{64FC46BD-FCD3-4070-A2FE-CF068D21089D}"/>
+                <a16:creationId xmlns="" xmlns:a16="http://schemas.microsoft.com/office/drawing/2014/main" id="{64FC46BD-FCD3-4070-A2FE-CF068D21089D}"/>
               </a:ext>
             </a:extLst>
           </p:cNvPr>
@@ -29341,7 +29341,7 @@
           <p:cNvPr id="4" name="Content Placeholder 2">
             <a:extLst>
               <a:ext uri="{FF2B5EF4-FFF2-40B4-BE49-F238E27FC236}">
-                <a16:creationId xmlns:a16="http://schemas.microsoft.com/office/drawing/2014/main" xmlns="" id="{8FD3E7E3-6406-4C87-9E06-5BA40AA66E22}"/>
+                <a16:creationId xmlns="" xmlns:a16="http://schemas.microsoft.com/office/drawing/2014/main" id="{8FD3E7E3-6406-4C87-9E06-5BA40AA66E22}"/>
               </a:ext>
             </a:extLst>
           </p:cNvPr>
@@ -30064,7 +30064,7 @@
           <p:cNvPr id="9" name="Content Placeholder 2">
             <a:extLst>
               <a:ext uri="{FF2B5EF4-FFF2-40B4-BE49-F238E27FC236}">
-                <a16:creationId xmlns:a16="http://schemas.microsoft.com/office/drawing/2014/main" xmlns="" id="{8FD3E7E3-6406-4C87-9E06-5BA40AA66E22}"/>
+                <a16:creationId xmlns="" xmlns:a16="http://schemas.microsoft.com/office/drawing/2014/main" id="{8FD3E7E3-6406-4C87-9E06-5BA40AA66E22}"/>
               </a:ext>
             </a:extLst>
           </p:cNvPr>
@@ -30291,7 +30291,7 @@
           <p:cNvPr id="7" name="Content Placeholder 2">
             <a:extLst>
               <a:ext uri="{FF2B5EF4-FFF2-40B4-BE49-F238E27FC236}">
-                <a16:creationId xmlns:a16="http://schemas.microsoft.com/office/drawing/2014/main" xmlns="" id="{8FD3E7E3-6406-4C87-9E06-5BA40AA66E22}"/>
+                <a16:creationId xmlns="" xmlns:a16="http://schemas.microsoft.com/office/drawing/2014/main" id="{8FD3E7E3-6406-4C87-9E06-5BA40AA66E22}"/>
               </a:ext>
             </a:extLst>
           </p:cNvPr>
@@ -30518,7 +30518,7 @@
           <p:cNvPr id="8" name="Content Placeholder 2">
             <a:extLst>
               <a:ext uri="{FF2B5EF4-FFF2-40B4-BE49-F238E27FC236}">
-                <a16:creationId xmlns:a16="http://schemas.microsoft.com/office/drawing/2014/main" xmlns="" id="{8FD3E7E3-6406-4C87-9E06-5BA40AA66E22}"/>
+                <a16:creationId xmlns="" xmlns:a16="http://schemas.microsoft.com/office/drawing/2014/main" id="{8FD3E7E3-6406-4C87-9E06-5BA40AA66E22}"/>
               </a:ext>
             </a:extLst>
           </p:cNvPr>
@@ -30745,7 +30745,7 @@
           <p:cNvPr id="10" name="Content Placeholder 2">
             <a:extLst>
               <a:ext uri="{FF2B5EF4-FFF2-40B4-BE49-F238E27FC236}">
-                <a16:creationId xmlns:a16="http://schemas.microsoft.com/office/drawing/2014/main" xmlns="" id="{8FD3E7E3-6406-4C87-9E06-5BA40AA66E22}"/>
+                <a16:creationId xmlns="" xmlns:a16="http://schemas.microsoft.com/office/drawing/2014/main" id="{8FD3E7E3-6406-4C87-9E06-5BA40AA66E22}"/>
               </a:ext>
             </a:extLst>
           </p:cNvPr>
@@ -30972,7 +30972,7 @@
           <p:cNvPr id="11" name="Content Placeholder 2">
             <a:extLst>
               <a:ext uri="{FF2B5EF4-FFF2-40B4-BE49-F238E27FC236}">
-                <a16:creationId xmlns:a16="http://schemas.microsoft.com/office/drawing/2014/main" xmlns="" id="{8FD3E7E3-6406-4C87-9E06-5BA40AA66E22}"/>
+                <a16:creationId xmlns="" xmlns:a16="http://schemas.microsoft.com/office/drawing/2014/main" id="{8FD3E7E3-6406-4C87-9E06-5BA40AA66E22}"/>
               </a:ext>
             </a:extLst>
           </p:cNvPr>
@@ -31367,7 +31367,7 @@
           <p:cNvPr id="2" name="Title 1">
             <a:extLst>
               <a:ext uri="{FF2B5EF4-FFF2-40B4-BE49-F238E27FC236}">
-                <a16:creationId xmlns:a16="http://schemas.microsoft.com/office/drawing/2014/main" xmlns="" id="{64FC46BD-FCD3-4070-A2FE-CF068D21089D}"/>
+                <a16:creationId xmlns="" xmlns:a16="http://schemas.microsoft.com/office/drawing/2014/main" id="{64FC46BD-FCD3-4070-A2FE-CF068D21089D}"/>
               </a:ext>
             </a:extLst>
           </p:cNvPr>
@@ -31403,7 +31403,7 @@
           <p:cNvPr id="4" name="Content Placeholder 2">
             <a:extLst>
               <a:ext uri="{FF2B5EF4-FFF2-40B4-BE49-F238E27FC236}">
-                <a16:creationId xmlns:a16="http://schemas.microsoft.com/office/drawing/2014/main" xmlns="" id="{8FD3E7E3-6406-4C87-9E06-5BA40AA66E22}"/>
+                <a16:creationId xmlns="" xmlns:a16="http://schemas.microsoft.com/office/drawing/2014/main" id="{8FD3E7E3-6406-4C87-9E06-5BA40AA66E22}"/>
               </a:ext>
             </a:extLst>
           </p:cNvPr>
@@ -32126,7 +32126,7 @@
           <p:cNvPr id="9" name="Content Placeholder 2">
             <a:extLst>
               <a:ext uri="{FF2B5EF4-FFF2-40B4-BE49-F238E27FC236}">
-                <a16:creationId xmlns:a16="http://schemas.microsoft.com/office/drawing/2014/main" xmlns="" id="{8FD3E7E3-6406-4C87-9E06-5BA40AA66E22}"/>
+                <a16:creationId xmlns="" xmlns:a16="http://schemas.microsoft.com/office/drawing/2014/main" id="{8FD3E7E3-6406-4C87-9E06-5BA40AA66E22}"/>
               </a:ext>
             </a:extLst>
           </p:cNvPr>
@@ -32353,7 +32353,7 @@
           <p:cNvPr id="7" name="Content Placeholder 2">
             <a:extLst>
               <a:ext uri="{FF2B5EF4-FFF2-40B4-BE49-F238E27FC236}">
-                <a16:creationId xmlns:a16="http://schemas.microsoft.com/office/drawing/2014/main" xmlns="" id="{8FD3E7E3-6406-4C87-9E06-5BA40AA66E22}"/>
+                <a16:creationId xmlns="" xmlns:a16="http://schemas.microsoft.com/office/drawing/2014/main" id="{8FD3E7E3-6406-4C87-9E06-5BA40AA66E22}"/>
               </a:ext>
             </a:extLst>
           </p:cNvPr>
@@ -32580,7 +32580,7 @@
           <p:cNvPr id="8" name="Content Placeholder 2">
             <a:extLst>
               <a:ext uri="{FF2B5EF4-FFF2-40B4-BE49-F238E27FC236}">
-                <a16:creationId xmlns:a16="http://schemas.microsoft.com/office/drawing/2014/main" xmlns="" id="{8FD3E7E3-6406-4C87-9E06-5BA40AA66E22}"/>
+                <a16:creationId xmlns="" xmlns:a16="http://schemas.microsoft.com/office/drawing/2014/main" id="{8FD3E7E3-6406-4C87-9E06-5BA40AA66E22}"/>
               </a:ext>
             </a:extLst>
           </p:cNvPr>
@@ -32807,7 +32807,7 @@
           <p:cNvPr id="10" name="Content Placeholder 2">
             <a:extLst>
               <a:ext uri="{FF2B5EF4-FFF2-40B4-BE49-F238E27FC236}">
-                <a16:creationId xmlns:a16="http://schemas.microsoft.com/office/drawing/2014/main" xmlns="" id="{8FD3E7E3-6406-4C87-9E06-5BA40AA66E22}"/>
+                <a16:creationId xmlns="" xmlns:a16="http://schemas.microsoft.com/office/drawing/2014/main" id="{8FD3E7E3-6406-4C87-9E06-5BA40AA66E22}"/>
               </a:ext>
             </a:extLst>
           </p:cNvPr>
@@ -33034,7 +33034,7 @@
           <p:cNvPr id="11" name="Content Placeholder 2">
             <a:extLst>
               <a:ext uri="{FF2B5EF4-FFF2-40B4-BE49-F238E27FC236}">
-                <a16:creationId xmlns:a16="http://schemas.microsoft.com/office/drawing/2014/main" xmlns="" id="{8FD3E7E3-6406-4C87-9E06-5BA40AA66E22}"/>
+                <a16:creationId xmlns="" xmlns:a16="http://schemas.microsoft.com/office/drawing/2014/main" id="{8FD3E7E3-6406-4C87-9E06-5BA40AA66E22}"/>
               </a:ext>
             </a:extLst>
           </p:cNvPr>
@@ -33429,7 +33429,7 @@
           <p:cNvPr id="2" name="Title 1">
             <a:extLst>
               <a:ext uri="{FF2B5EF4-FFF2-40B4-BE49-F238E27FC236}">
-                <a16:creationId xmlns:a16="http://schemas.microsoft.com/office/drawing/2014/main" xmlns="" id="{64FC46BD-FCD3-4070-A2FE-CF068D21089D}"/>
+                <a16:creationId xmlns="" xmlns:a16="http://schemas.microsoft.com/office/drawing/2014/main" id="{64FC46BD-FCD3-4070-A2FE-CF068D21089D}"/>
               </a:ext>
             </a:extLst>
           </p:cNvPr>
@@ -33465,7 +33465,7 @@
           <p:cNvPr id="4" name="Content Placeholder 2">
             <a:extLst>
               <a:ext uri="{FF2B5EF4-FFF2-40B4-BE49-F238E27FC236}">
-                <a16:creationId xmlns:a16="http://schemas.microsoft.com/office/drawing/2014/main" xmlns="" id="{8FD3E7E3-6406-4C87-9E06-5BA40AA66E22}"/>
+                <a16:creationId xmlns="" xmlns:a16="http://schemas.microsoft.com/office/drawing/2014/main" id="{8FD3E7E3-6406-4C87-9E06-5BA40AA66E22}"/>
               </a:ext>
             </a:extLst>
           </p:cNvPr>
@@ -34218,7 +34218,7 @@
           <p:cNvPr id="7" name="Content Placeholder 2">
             <a:extLst>
               <a:ext uri="{FF2B5EF4-FFF2-40B4-BE49-F238E27FC236}">
-                <a16:creationId xmlns:a16="http://schemas.microsoft.com/office/drawing/2014/main" xmlns="" id="{8FD3E7E3-6406-4C87-9E06-5BA40AA66E22}"/>
+                <a16:creationId xmlns="" xmlns:a16="http://schemas.microsoft.com/office/drawing/2014/main" id="{8FD3E7E3-6406-4C87-9E06-5BA40AA66E22}"/>
               </a:ext>
             </a:extLst>
           </p:cNvPr>
@@ -34445,7 +34445,7 @@
           <p:cNvPr id="8" name="Content Placeholder 2">
             <a:extLst>
               <a:ext uri="{FF2B5EF4-FFF2-40B4-BE49-F238E27FC236}">
-                <a16:creationId xmlns:a16="http://schemas.microsoft.com/office/drawing/2014/main" xmlns="" id="{8FD3E7E3-6406-4C87-9E06-5BA40AA66E22}"/>
+                <a16:creationId xmlns="" xmlns:a16="http://schemas.microsoft.com/office/drawing/2014/main" id="{8FD3E7E3-6406-4C87-9E06-5BA40AA66E22}"/>
               </a:ext>
             </a:extLst>
           </p:cNvPr>
@@ -34672,7 +34672,7 @@
           <p:cNvPr id="10" name="Content Placeholder 2">
             <a:extLst>
               <a:ext uri="{FF2B5EF4-FFF2-40B4-BE49-F238E27FC236}">
-                <a16:creationId xmlns:a16="http://schemas.microsoft.com/office/drawing/2014/main" xmlns="" id="{8FD3E7E3-6406-4C87-9E06-5BA40AA66E22}"/>
+                <a16:creationId xmlns="" xmlns:a16="http://schemas.microsoft.com/office/drawing/2014/main" id="{8FD3E7E3-6406-4C87-9E06-5BA40AA66E22}"/>
               </a:ext>
             </a:extLst>
           </p:cNvPr>
@@ -34899,7 +34899,7 @@
           <p:cNvPr id="11" name="Content Placeholder 2">
             <a:extLst>
               <a:ext uri="{FF2B5EF4-FFF2-40B4-BE49-F238E27FC236}">
-                <a16:creationId xmlns:a16="http://schemas.microsoft.com/office/drawing/2014/main" xmlns="" id="{8FD3E7E3-6406-4C87-9E06-5BA40AA66E22}"/>
+                <a16:creationId xmlns="" xmlns:a16="http://schemas.microsoft.com/office/drawing/2014/main" id="{8FD3E7E3-6406-4C87-9E06-5BA40AA66E22}"/>
               </a:ext>
             </a:extLst>
           </p:cNvPr>
@@ -35126,7 +35126,7 @@
           <p:cNvPr id="12" name="Content Placeholder 2">
             <a:extLst>
               <a:ext uri="{FF2B5EF4-FFF2-40B4-BE49-F238E27FC236}">
-                <a16:creationId xmlns:a16="http://schemas.microsoft.com/office/drawing/2014/main" xmlns="" id="{8FD3E7E3-6406-4C87-9E06-5BA40AA66E22}"/>
+                <a16:creationId xmlns="" xmlns:a16="http://schemas.microsoft.com/office/drawing/2014/main" id="{8FD3E7E3-6406-4C87-9E06-5BA40AA66E22}"/>
               </a:ext>
             </a:extLst>
           </p:cNvPr>
@@ -35741,7 +35741,7 @@
           <p:cNvPr id="15" name="Content Placeholder 2">
             <a:extLst>
               <a:ext uri="{FF2B5EF4-FFF2-40B4-BE49-F238E27FC236}">
-                <a16:creationId xmlns:a16="http://schemas.microsoft.com/office/drawing/2014/main" xmlns="" id="{8FD3E7E3-6406-4C87-9E06-5BA40AA66E22}"/>
+                <a16:creationId xmlns="" xmlns:a16="http://schemas.microsoft.com/office/drawing/2014/main" id="{8FD3E7E3-6406-4C87-9E06-5BA40AA66E22}"/>
               </a:ext>
             </a:extLst>
           </p:cNvPr>
@@ -35968,7 +35968,7 @@
           <p:cNvPr id="16" name="Content Placeholder 2">
             <a:extLst>
               <a:ext uri="{FF2B5EF4-FFF2-40B4-BE49-F238E27FC236}">
-                <a16:creationId xmlns:a16="http://schemas.microsoft.com/office/drawing/2014/main" xmlns="" id="{8FD3E7E3-6406-4C87-9E06-5BA40AA66E22}"/>
+                <a16:creationId xmlns="" xmlns:a16="http://schemas.microsoft.com/office/drawing/2014/main" id="{8FD3E7E3-6406-4C87-9E06-5BA40AA66E22}"/>
               </a:ext>
             </a:extLst>
           </p:cNvPr>
@@ -36197,7 +36197,7 @@
               <p:cNvPr id="17" name="Content Placeholder 2">
                 <a:extLst>
                   <a:ext uri="{FF2B5EF4-FFF2-40B4-BE49-F238E27FC236}">
-                    <a16:creationId xmlns:a16="http://schemas.microsoft.com/office/drawing/2014/main" xmlns="" id="{8FD3E7E3-6406-4C87-9E06-5BA40AA66E22}"/>
+                    <a16:creationId xmlns="" xmlns:a16="http://schemas.microsoft.com/office/drawing/2014/main" id="{8FD3E7E3-6406-4C87-9E06-5BA40AA66E22}"/>
                   </a:ext>
                 </a:extLst>
               </p:cNvPr>
@@ -36481,7 +36481,7 @@
           <p:cNvPr id="18" name="Content Placeholder 2">
             <a:extLst>
               <a:ext uri="{FF2B5EF4-FFF2-40B4-BE49-F238E27FC236}">
-                <a16:creationId xmlns:a16="http://schemas.microsoft.com/office/drawing/2014/main" xmlns="" id="{8FD3E7E3-6406-4C87-9E06-5BA40AA66E22}"/>
+                <a16:creationId xmlns="" xmlns:a16="http://schemas.microsoft.com/office/drawing/2014/main" id="{8FD3E7E3-6406-4C87-9E06-5BA40AA66E22}"/>
               </a:ext>
             </a:extLst>
           </p:cNvPr>
@@ -36708,7 +36708,7 @@
           <p:cNvPr id="19" name="Content Placeholder 2">
             <a:extLst>
               <a:ext uri="{FF2B5EF4-FFF2-40B4-BE49-F238E27FC236}">
-                <a16:creationId xmlns:a16="http://schemas.microsoft.com/office/drawing/2014/main" xmlns="" id="{8FD3E7E3-6406-4C87-9E06-5BA40AA66E22}"/>
+                <a16:creationId xmlns="" xmlns:a16="http://schemas.microsoft.com/office/drawing/2014/main" id="{8FD3E7E3-6406-4C87-9E06-5BA40AA66E22}"/>
               </a:ext>
             </a:extLst>
           </p:cNvPr>
@@ -37028,7 +37028,7 @@
           <p:cNvPr id="14" name="Content Placeholder 2">
             <a:extLst>
               <a:ext uri="{FF2B5EF4-FFF2-40B4-BE49-F238E27FC236}">
-                <a16:creationId xmlns="" xmlns:a16="http://schemas.microsoft.com/office/drawing/2014/main" id="{8FD3E7E3-6406-4C87-9E06-5BA40AA66E22}"/>
+                <a16:creationId xmlns:a16="http://schemas.microsoft.com/office/drawing/2014/main" xmlns="" id="{8FD3E7E3-6406-4C87-9E06-5BA40AA66E22}"/>
               </a:ext>
             </a:extLst>
           </p:cNvPr>
@@ -37241,7 +37241,7 @@
           <p:cNvPr id="4" name="Content Placeholder 2">
             <a:extLst>
               <a:ext uri="{FF2B5EF4-FFF2-40B4-BE49-F238E27FC236}">
-                <a16:creationId xmlns="" xmlns:a16="http://schemas.microsoft.com/office/drawing/2014/main" id="{8FD3E7E3-6406-4C87-9E06-5BA40AA66E22}"/>
+                <a16:creationId xmlns:a16="http://schemas.microsoft.com/office/drawing/2014/main" xmlns="" id="{8FD3E7E3-6406-4C87-9E06-5BA40AA66E22}"/>
               </a:ext>
             </a:extLst>
           </p:cNvPr>
@@ -37556,7 +37556,7 @@
           <p:cNvPr id="14" name="Content Placeholder 2">
             <a:extLst>
               <a:ext uri="{FF2B5EF4-FFF2-40B4-BE49-F238E27FC236}">
-                <a16:creationId xmlns="" xmlns:a16="http://schemas.microsoft.com/office/drawing/2014/main" id="{8FD3E7E3-6406-4C87-9E06-5BA40AA66E22}"/>
+                <a16:creationId xmlns:a16="http://schemas.microsoft.com/office/drawing/2014/main" xmlns="" id="{8FD3E7E3-6406-4C87-9E06-5BA40AA66E22}"/>
               </a:ext>
             </a:extLst>
           </p:cNvPr>
@@ -37769,7 +37769,7 @@
           <p:cNvPr id="5" name="Content Placeholder 2">
             <a:extLst>
               <a:ext uri="{FF2B5EF4-FFF2-40B4-BE49-F238E27FC236}">
-                <a16:creationId xmlns="" xmlns:a16="http://schemas.microsoft.com/office/drawing/2014/main" id="{8FD3E7E3-6406-4C87-9E06-5BA40AA66E22}"/>
+                <a16:creationId xmlns:a16="http://schemas.microsoft.com/office/drawing/2014/main" xmlns="" id="{8FD3E7E3-6406-4C87-9E06-5BA40AA66E22}"/>
               </a:ext>
             </a:extLst>
           </p:cNvPr>
@@ -38036,7 +38036,7 @@
           <p:cNvPr id="14" name="Content Placeholder 2">
             <a:extLst>
               <a:ext uri="{FF2B5EF4-FFF2-40B4-BE49-F238E27FC236}">
-                <a16:creationId xmlns="" xmlns:a16="http://schemas.microsoft.com/office/drawing/2014/main" id="{8FD3E7E3-6406-4C87-9E06-5BA40AA66E22}"/>
+                <a16:creationId xmlns:a16="http://schemas.microsoft.com/office/drawing/2014/main" xmlns="" id="{8FD3E7E3-6406-4C87-9E06-5BA40AA66E22}"/>
               </a:ext>
             </a:extLst>
           </p:cNvPr>
@@ -38249,7 +38249,7 @@
           <p:cNvPr id="5" name="Content Placeholder 2">
             <a:extLst>
               <a:ext uri="{FF2B5EF4-FFF2-40B4-BE49-F238E27FC236}">
-                <a16:creationId xmlns="" xmlns:a16="http://schemas.microsoft.com/office/drawing/2014/main" id="{8FD3E7E3-6406-4C87-9E06-5BA40AA66E22}"/>
+                <a16:creationId xmlns:a16="http://schemas.microsoft.com/office/drawing/2014/main" xmlns="" id="{8FD3E7E3-6406-4C87-9E06-5BA40AA66E22}"/>
               </a:ext>
             </a:extLst>
           </p:cNvPr>
@@ -38529,7 +38529,7 @@
           <p:cNvPr id="14" name="Content Placeholder 2">
             <a:extLst>
               <a:ext uri="{FF2B5EF4-FFF2-40B4-BE49-F238E27FC236}">
-                <a16:creationId xmlns="" xmlns:a16="http://schemas.microsoft.com/office/drawing/2014/main" id="{8FD3E7E3-6406-4C87-9E06-5BA40AA66E22}"/>
+                <a16:creationId xmlns:a16="http://schemas.microsoft.com/office/drawing/2014/main" xmlns="" id="{8FD3E7E3-6406-4C87-9E06-5BA40AA66E22}"/>
               </a:ext>
             </a:extLst>
           </p:cNvPr>
@@ -38742,7 +38742,7 @@
           <p:cNvPr id="5" name="Content Placeholder 2">
             <a:extLst>
               <a:ext uri="{FF2B5EF4-FFF2-40B4-BE49-F238E27FC236}">
-                <a16:creationId xmlns:a16="http://schemas.microsoft.com/office/drawing/2014/main" xmlns="" id="{8FD3E7E3-6406-4C87-9E06-5BA40AA66E22}"/>
+                <a16:creationId xmlns="" xmlns:a16="http://schemas.microsoft.com/office/drawing/2014/main" id="{8FD3E7E3-6406-4C87-9E06-5BA40AA66E22}"/>
               </a:ext>
             </a:extLst>
           </p:cNvPr>
@@ -39020,7 +39020,7 @@
           <p:cNvPr id="2" name="Title 1">
             <a:extLst>
               <a:ext uri="{FF2B5EF4-FFF2-40B4-BE49-F238E27FC236}">
-                <a16:creationId xmlns="" xmlns:a16="http://schemas.microsoft.com/office/drawing/2014/main" id="{64FC46BD-FCD3-4070-A2FE-CF068D21089D}"/>
+                <a16:creationId xmlns:a16="http://schemas.microsoft.com/office/drawing/2014/main" xmlns="" id="{64FC46BD-FCD3-4070-A2FE-CF068D21089D}"/>
               </a:ext>
             </a:extLst>
           </p:cNvPr>
@@ -39463,7 +39463,7 @@
           <p:cNvPr id="22" name="Content Placeholder 2">
             <a:extLst>
               <a:ext uri="{FF2B5EF4-FFF2-40B4-BE49-F238E27FC236}">
-                <a16:creationId xmlns="" xmlns:a16="http://schemas.microsoft.com/office/drawing/2014/main" id="{8FD3E7E3-6406-4C87-9E06-5BA40AA66E22}"/>
+                <a16:creationId xmlns:a16="http://schemas.microsoft.com/office/drawing/2014/main" xmlns="" id="{8FD3E7E3-6406-4C87-9E06-5BA40AA66E22}"/>
               </a:ext>
             </a:extLst>
           </p:cNvPr>
@@ -39702,7 +39702,7 @@
           <p:cNvPr id="19" name="Content Placeholder 2">
             <a:extLst>
               <a:ext uri="{FF2B5EF4-FFF2-40B4-BE49-F238E27FC236}">
-                <a16:creationId xmlns="" xmlns:a16="http://schemas.microsoft.com/office/drawing/2014/main" id="{8FD3E7E3-6406-4C87-9E06-5BA40AA66E22}"/>
+                <a16:creationId xmlns:a16="http://schemas.microsoft.com/office/drawing/2014/main" xmlns="" id="{8FD3E7E3-6406-4C87-9E06-5BA40AA66E22}"/>
               </a:ext>
             </a:extLst>
           </p:cNvPr>
@@ -39910,7 +39910,7 @@
           <p:cNvPr id="21" name="Content Placeholder 2">
             <a:extLst>
               <a:ext uri="{FF2B5EF4-FFF2-40B4-BE49-F238E27FC236}">
-                <a16:creationId xmlns="" xmlns:a16="http://schemas.microsoft.com/office/drawing/2014/main" id="{8FD3E7E3-6406-4C87-9E06-5BA40AA66E22}"/>
+                <a16:creationId xmlns:a16="http://schemas.microsoft.com/office/drawing/2014/main" xmlns="" id="{8FD3E7E3-6406-4C87-9E06-5BA40AA66E22}"/>
               </a:ext>
             </a:extLst>
           </p:cNvPr>
@@ -40155,7 +40155,7 @@
           <p:cNvPr id="2" name="Title 1">
             <a:extLst>
               <a:ext uri="{FF2B5EF4-FFF2-40B4-BE49-F238E27FC236}">
-                <a16:creationId xmlns="" xmlns:a16="http://schemas.microsoft.com/office/drawing/2014/main" id="{64FC46BD-FCD3-4070-A2FE-CF068D21089D}"/>
+                <a16:creationId xmlns:a16="http://schemas.microsoft.com/office/drawing/2014/main" xmlns="" id="{64FC46BD-FCD3-4070-A2FE-CF068D21089D}"/>
               </a:ext>
             </a:extLst>
           </p:cNvPr>
@@ -40598,7 +40598,7 @@
           <p:cNvPr id="22" name="Content Placeholder 2">
             <a:extLst>
               <a:ext uri="{FF2B5EF4-FFF2-40B4-BE49-F238E27FC236}">
-                <a16:creationId xmlns="" xmlns:a16="http://schemas.microsoft.com/office/drawing/2014/main" id="{8FD3E7E3-6406-4C87-9E06-5BA40AA66E22}"/>
+                <a16:creationId xmlns:a16="http://schemas.microsoft.com/office/drawing/2014/main" xmlns="" id="{8FD3E7E3-6406-4C87-9E06-5BA40AA66E22}"/>
               </a:ext>
             </a:extLst>
           </p:cNvPr>
@@ -40832,14 +40832,14 @@
           </a:p>
         </p:txBody>
       </p:sp>
-      <mc:AlternateContent xmlns:mc="http://schemas.openxmlformats.org/markup-compatibility/2006" xmlns:a14="http://schemas.microsoft.com/office/drawing/2010/main">
-        <mc:Choice Requires="a14">
+      <mc:AlternateContent xmlns:mc="http://schemas.openxmlformats.org/markup-compatibility/2006">
+        <mc:Choice xmlns:a14="http://schemas.microsoft.com/office/drawing/2010/main" Requires="a14">
           <p:sp>
             <p:nvSpPr>
               <p:cNvPr id="4" name="Rectangle 3">
                 <a:extLst>
                   <a:ext uri="{FF2B5EF4-FFF2-40B4-BE49-F238E27FC236}">
-                    <a16:creationId xmlns="" xmlns:a16="http://schemas.microsoft.com/office/drawing/2014/main" id="{9741D65F-8C99-4060-A68F-4CC5E788901B}"/>
+                    <a16:creationId xmlns:a16="http://schemas.microsoft.com/office/drawing/2014/main" xmlns="" id="{9741D65F-8C99-4060-A68F-4CC5E788901B}"/>
                   </a:ext>
                 </a:extLst>
               </p:cNvPr>
@@ -40868,7 +40868,16 @@
                     </a:solidFill>
                     <a:latin typeface="Comic Sans MS" panose="030F0702030302020204" pitchFamily="66" charset="0"/>
                   </a:rPr>
-                  <a:t>R = Is a </a:t>
+                  <a:t>Is </a:t>
+                </a:r>
+                <a:r>
+                  <a:rPr lang="en-US" sz="2800" dirty="0" smtClean="0">
+                    <a:solidFill>
+                      <a:schemeClr val="accent6"/>
+                    </a:solidFill>
+                    <a:latin typeface="Comic Sans MS" panose="030F0702030302020204" pitchFamily="66" charset="0"/>
+                  </a:rPr>
+                  <a:t>a </a:t>
                 </a:r>
                 <a14:m>
                   <m:oMath xmlns:m="http://schemas.openxmlformats.org/officeDocument/2006/math">
@@ -40898,13 +40907,13 @@
             </p:txBody>
           </p:sp>
         </mc:Choice>
-        <mc:Fallback xmlns="">
+        <mc:Fallback>
           <p:sp>
             <p:nvSpPr>
               <p:cNvPr id="4" name="Rectangle 3">
                 <a:extLst>
                   <a:ext uri="{FF2B5EF4-FFF2-40B4-BE49-F238E27FC236}">
-                    <a16:creationId xmlns="" xmlns:a16="http://schemas.microsoft.com/office/drawing/2014/main" id="{9741D65F-8C99-4060-A68F-4CC5E788901B}"/>
+                    <a16:creationId xmlns:a16="http://schemas.microsoft.com/office/drawing/2014/main" xmlns="" xmlns:a14="http://schemas.microsoft.com/office/drawing/2010/main" id="{9741D65F-8C99-4060-A68F-4CC5E788901B}"/>
                   </a:ext>
                 </a:extLst>
               </p:cNvPr>
@@ -40948,7 +40957,7 @@
           <p:cNvPr id="16" name="Content Placeholder 2">
             <a:extLst>
               <a:ext uri="{FF2B5EF4-FFF2-40B4-BE49-F238E27FC236}">
-                <a16:creationId xmlns="" xmlns:a16="http://schemas.microsoft.com/office/drawing/2014/main" id="{8FD3E7E3-6406-4C87-9E06-5BA40AA66E22}"/>
+                <a16:creationId xmlns:a16="http://schemas.microsoft.com/office/drawing/2014/main" xmlns="" id="{8FD3E7E3-6406-4C87-9E06-5BA40AA66E22}"/>
               </a:ext>
             </a:extLst>
           </p:cNvPr>
@@ -41156,7 +41165,7 @@
           <p:cNvPr id="17" name="Content Placeholder 2">
             <a:extLst>
               <a:ext uri="{FF2B5EF4-FFF2-40B4-BE49-F238E27FC236}">
-                <a16:creationId xmlns="" xmlns:a16="http://schemas.microsoft.com/office/drawing/2014/main" id="{8FD3E7E3-6406-4C87-9E06-5BA40AA66E22}"/>
+                <a16:creationId xmlns:a16="http://schemas.microsoft.com/office/drawing/2014/main" xmlns="" id="{8FD3E7E3-6406-4C87-9E06-5BA40AA66E22}"/>
               </a:ext>
             </a:extLst>
           </p:cNvPr>
@@ -41401,7 +41410,7 @@
           <p:cNvPr id="2" name="Title 1">
             <a:extLst>
               <a:ext uri="{FF2B5EF4-FFF2-40B4-BE49-F238E27FC236}">
-                <a16:creationId xmlns="" xmlns:a16="http://schemas.microsoft.com/office/drawing/2014/main" id="{64FC46BD-FCD3-4070-A2FE-CF068D21089D}"/>
+                <a16:creationId xmlns:a16="http://schemas.microsoft.com/office/drawing/2014/main" xmlns="" id="{64FC46BD-FCD3-4070-A2FE-CF068D21089D}"/>
               </a:ext>
             </a:extLst>
           </p:cNvPr>
@@ -41844,7 +41853,7 @@
           <p:cNvPr id="22" name="Content Placeholder 2">
             <a:extLst>
               <a:ext uri="{FF2B5EF4-FFF2-40B4-BE49-F238E27FC236}">
-                <a16:creationId xmlns="" xmlns:a16="http://schemas.microsoft.com/office/drawing/2014/main" id="{8FD3E7E3-6406-4C87-9E06-5BA40AA66E22}"/>
+                <a16:creationId xmlns:a16="http://schemas.microsoft.com/office/drawing/2014/main" xmlns="" id="{8FD3E7E3-6406-4C87-9E06-5BA40AA66E22}"/>
               </a:ext>
             </a:extLst>
           </p:cNvPr>
@@ -42078,14 +42087,14 @@
           </a:p>
         </p:txBody>
       </p:sp>
-      <mc:AlternateContent xmlns:mc="http://schemas.openxmlformats.org/markup-compatibility/2006" xmlns:a14="http://schemas.microsoft.com/office/drawing/2010/main">
-        <mc:Choice Requires="a14">
+      <mc:AlternateContent xmlns:mc="http://schemas.openxmlformats.org/markup-compatibility/2006">
+        <mc:Choice xmlns:a14="http://schemas.microsoft.com/office/drawing/2010/main" Requires="a14">
           <p:sp>
             <p:nvSpPr>
               <p:cNvPr id="4" name="Rectangle 3">
                 <a:extLst>
                   <a:ext uri="{FF2B5EF4-FFF2-40B4-BE49-F238E27FC236}">
-                    <a16:creationId xmlns="" xmlns:a16="http://schemas.microsoft.com/office/drawing/2014/main" id="{9741D65F-8C99-4060-A68F-4CC5E788901B}"/>
+                    <a16:creationId xmlns:a16="http://schemas.microsoft.com/office/drawing/2014/main" xmlns="" id="{9741D65F-8C99-4060-A68F-4CC5E788901B}"/>
                   </a:ext>
                 </a:extLst>
               </p:cNvPr>
@@ -42114,7 +42123,16 @@
                     </a:solidFill>
                     <a:latin typeface="Comic Sans MS" panose="030F0702030302020204" pitchFamily="66" charset="0"/>
                   </a:rPr>
-                  <a:t>R = Is a </a:t>
+                  <a:t>Is </a:t>
+                </a:r>
+                <a:r>
+                  <a:rPr lang="en-US" sz="2800" dirty="0" smtClean="0">
+                    <a:solidFill>
+                      <a:schemeClr val="accent6"/>
+                    </a:solidFill>
+                    <a:latin typeface="Comic Sans MS" panose="030F0702030302020204" pitchFamily="66" charset="0"/>
+                  </a:rPr>
+                  <a:t>a </a:t>
                 </a:r>
                 <a14:m>
                   <m:oMath xmlns:m="http://schemas.openxmlformats.org/officeDocument/2006/math">
@@ -42144,13 +42162,13 @@
             </p:txBody>
           </p:sp>
         </mc:Choice>
-        <mc:Fallback xmlns="">
+        <mc:Fallback>
           <p:sp>
             <p:nvSpPr>
               <p:cNvPr id="4" name="Rectangle 3">
                 <a:extLst>
                   <a:ext uri="{FF2B5EF4-FFF2-40B4-BE49-F238E27FC236}">
-                    <a16:creationId xmlns="" xmlns:a16="http://schemas.microsoft.com/office/drawing/2014/main" id="{9741D65F-8C99-4060-A68F-4CC5E788901B}"/>
+                    <a16:creationId xmlns:a16="http://schemas.microsoft.com/office/drawing/2014/main" xmlns="" xmlns:a14="http://schemas.microsoft.com/office/drawing/2010/main" id="{9741D65F-8C99-4060-A68F-4CC5E788901B}"/>
                   </a:ext>
                 </a:extLst>
               </p:cNvPr>
@@ -42362,7 +42380,7 @@
           <p:cNvPr id="2" name="Title 1">
             <a:extLst>
               <a:ext uri="{FF2B5EF4-FFF2-40B4-BE49-F238E27FC236}">
-                <a16:creationId xmlns="" xmlns:a16="http://schemas.microsoft.com/office/drawing/2014/main" id="{64FC46BD-FCD3-4070-A2FE-CF068D21089D}"/>
+                <a16:creationId xmlns:a16="http://schemas.microsoft.com/office/drawing/2014/main" xmlns="" id="{64FC46BD-FCD3-4070-A2FE-CF068D21089D}"/>
               </a:ext>
             </a:extLst>
           </p:cNvPr>
@@ -42392,7 +42410,7 @@
           <p:cNvPr id="3" name="Content Placeholder 2">
             <a:extLst>
               <a:ext uri="{FF2B5EF4-FFF2-40B4-BE49-F238E27FC236}">
-                <a16:creationId xmlns="" xmlns:a16="http://schemas.microsoft.com/office/drawing/2014/main" id="{8FD3E7E3-6406-4C87-9E06-5BA40AA66E22}"/>
+                <a16:creationId xmlns:a16="http://schemas.microsoft.com/office/drawing/2014/main" xmlns="" id="{8FD3E7E3-6406-4C87-9E06-5BA40AA66E22}"/>
               </a:ext>
             </a:extLst>
           </p:cNvPr>
@@ -42845,7 +42863,7 @@
           <p:cNvPr id="22" name="Content Placeholder 2">
             <a:extLst>
               <a:ext uri="{FF2B5EF4-FFF2-40B4-BE49-F238E27FC236}">
-                <a16:creationId xmlns="" xmlns:a16="http://schemas.microsoft.com/office/drawing/2014/main" id="{8FD3E7E3-6406-4C87-9E06-5BA40AA66E22}"/>
+                <a16:creationId xmlns:a16="http://schemas.microsoft.com/office/drawing/2014/main" xmlns="" id="{8FD3E7E3-6406-4C87-9E06-5BA40AA66E22}"/>
               </a:ext>
             </a:extLst>
           </p:cNvPr>
@@ -43086,7 +43104,7 @@
               <p:cNvPr id="4" name="Rectangle 3">
                 <a:extLst>
                   <a:ext uri="{FF2B5EF4-FFF2-40B4-BE49-F238E27FC236}">
-                    <a16:creationId xmlns="" xmlns:a16="http://schemas.microsoft.com/office/drawing/2014/main" id="{9741D65F-8C99-4060-A68F-4CC5E788901B}"/>
+                    <a16:creationId xmlns:a16="http://schemas.microsoft.com/office/drawing/2014/main" xmlns="" id="{9741D65F-8C99-4060-A68F-4CC5E788901B}"/>
                   </a:ext>
                 </a:extLst>
               </p:cNvPr>
@@ -43207,7 +43225,7 @@
           <p:cNvPr id="16" name="Content Placeholder 2">
             <a:extLst>
               <a:ext uri="{FF2B5EF4-FFF2-40B4-BE49-F238E27FC236}">
-                <a16:creationId xmlns="" xmlns:a16="http://schemas.microsoft.com/office/drawing/2014/main" id="{8FD3E7E3-6406-4C87-9E06-5BA40AA66E22}"/>
+                <a16:creationId xmlns:a16="http://schemas.microsoft.com/office/drawing/2014/main" xmlns="" id="{8FD3E7E3-6406-4C87-9E06-5BA40AA66E22}"/>
               </a:ext>
             </a:extLst>
           </p:cNvPr>
@@ -43415,7 +43433,7 @@
           <p:cNvPr id="17" name="Content Placeholder 2">
             <a:extLst>
               <a:ext uri="{FF2B5EF4-FFF2-40B4-BE49-F238E27FC236}">
-                <a16:creationId xmlns="" xmlns:a16="http://schemas.microsoft.com/office/drawing/2014/main" id="{8FD3E7E3-6406-4C87-9E06-5BA40AA66E22}"/>
+                <a16:creationId xmlns:a16="http://schemas.microsoft.com/office/drawing/2014/main" xmlns="" id="{8FD3E7E3-6406-4C87-9E06-5BA40AA66E22}"/>
               </a:ext>
             </a:extLst>
           </p:cNvPr>
@@ -43735,7 +43753,7 @@
           <p:cNvPr id="2" name="Title 1">
             <a:extLst>
               <a:ext uri="{FF2B5EF4-FFF2-40B4-BE49-F238E27FC236}">
-                <a16:creationId xmlns="" xmlns:a16="http://schemas.microsoft.com/office/drawing/2014/main" id="{64FC46BD-FCD3-4070-A2FE-CF068D21089D}"/>
+                <a16:creationId xmlns:a16="http://schemas.microsoft.com/office/drawing/2014/main" xmlns="" id="{64FC46BD-FCD3-4070-A2FE-CF068D21089D}"/>
               </a:ext>
             </a:extLst>
           </p:cNvPr>
@@ -43774,7 +43792,7 @@
           <p:cNvPr id="3" name="Content Placeholder 2">
             <a:extLst>
               <a:ext uri="{FF2B5EF4-FFF2-40B4-BE49-F238E27FC236}">
-                <a16:creationId xmlns="" xmlns:a16="http://schemas.microsoft.com/office/drawing/2014/main" id="{8FD3E7E3-6406-4C87-9E06-5BA40AA66E22}"/>
+                <a16:creationId xmlns:a16="http://schemas.microsoft.com/office/drawing/2014/main" xmlns="" id="{8FD3E7E3-6406-4C87-9E06-5BA40AA66E22}"/>
               </a:ext>
             </a:extLst>
           </p:cNvPr>
@@ -43787,8 +43805,8 @@
         </p:nvSpPr>
         <p:spPr>
           <a:xfrm>
-            <a:off x="852714" y="1636938"/>
-            <a:ext cx="1899364" cy="1436327"/>
+            <a:off x="852713" y="1636938"/>
+            <a:ext cx="3770801" cy="1436327"/>
           </a:xfrm>
         </p:spPr>
         <p:txBody>
@@ -43836,13 +43854,13 @@
               <a:t>R </a:t>
             </a:r>
             <a:r>
-              <a:rPr lang="en-US" sz="2400" dirty="0">
+              <a:rPr lang="en-US" sz="2400" dirty="0" smtClean="0">
                 <a:solidFill>
                   <a:srgbClr val="D3359B"/>
                 </a:solidFill>
                 <a:latin typeface="Comic Sans MS" panose="030F0702030302020204" pitchFamily="66" charset="0"/>
               </a:rPr>
-              <a:t>prime</a:t>
+              <a:t>not prime</a:t>
             </a:r>
             <a:endParaRPr lang="en-US" sz="2400" dirty="0">
               <a:latin typeface="Comic Sans MS" panose="030F0702030302020204" pitchFamily="66" charset="0"/>
@@ -43898,14 +43916,26 @@
                 </a:solidFill>
                 <a:latin typeface="Comic Sans MS" panose="030F0702030302020204" pitchFamily="66" charset="0"/>
               </a:rPr>
+              <a:t>not </a:t>
+            </a:r>
+            <a:r>
+              <a:rPr lang="en-US" sz="2400" dirty="0" smtClean="0">
+                <a:solidFill>
+                  <a:srgbClr val="D3359B"/>
+                </a:solidFill>
+                <a:latin typeface="Comic Sans MS" panose="030F0702030302020204" pitchFamily="66" charset="0"/>
+              </a:rPr>
               <a:t>prime</a:t>
             </a:r>
             <a:r>
-              <a:rPr lang="en-US" sz="2400" dirty="0">
+              <a:rPr lang="en-US" sz="2400" dirty="0" smtClean="0">
                 <a:latin typeface="Comic Sans MS" panose="030F0702030302020204" pitchFamily="66" charset="0"/>
               </a:rPr>
               <a:t>)</a:t>
             </a:r>
+            <a:endParaRPr lang="en-US" sz="2400" dirty="0">
+              <a:latin typeface="Comic Sans MS" panose="030F0702030302020204" pitchFamily="66" charset="0"/>
+            </a:endParaRPr>
           </a:p>
         </p:txBody>
       </p:sp>
@@ -44327,7 +44357,7 @@
           <p:cNvPr id="22" name="Content Placeholder 2">
             <a:extLst>
               <a:ext uri="{FF2B5EF4-FFF2-40B4-BE49-F238E27FC236}">
-                <a16:creationId xmlns="" xmlns:a16="http://schemas.microsoft.com/office/drawing/2014/main" id="{8FD3E7E3-6406-4C87-9E06-5BA40AA66E22}"/>
+                <a16:creationId xmlns:a16="http://schemas.microsoft.com/office/drawing/2014/main" xmlns="" id="{8FD3E7E3-6406-4C87-9E06-5BA40AA66E22}"/>
               </a:ext>
             </a:extLst>
           </p:cNvPr>
@@ -44563,7 +44593,7 @@
           <p:cNvPr id="5" name="Rectangle 4">
             <a:extLst>
               <a:ext uri="{FF2B5EF4-FFF2-40B4-BE49-F238E27FC236}">
-                <a16:creationId xmlns="" xmlns:a16="http://schemas.microsoft.com/office/drawing/2014/main" id="{00FEE9F7-37E5-469B-A785-1165543765C4}"/>
+                <a16:creationId xmlns:a16="http://schemas.microsoft.com/office/drawing/2014/main" xmlns="" id="{00FEE9F7-37E5-469B-A785-1165543765C4}"/>
               </a:ext>
             </a:extLst>
           </p:cNvPr>
@@ -44640,7 +44670,7 @@
           <p:cNvPr id="2" name="Title 1">
             <a:extLst>
               <a:ext uri="{FF2B5EF4-FFF2-40B4-BE49-F238E27FC236}">
-                <a16:creationId xmlns="" xmlns:a16="http://schemas.microsoft.com/office/drawing/2014/main" id="{64FC46BD-FCD3-4070-A2FE-CF068D21089D}"/>
+                <a16:creationId xmlns:a16="http://schemas.microsoft.com/office/drawing/2014/main" xmlns="" id="{64FC46BD-FCD3-4070-A2FE-CF068D21089D}"/>
               </a:ext>
             </a:extLst>
           </p:cNvPr>
@@ -44676,7 +44706,7 @@
           <p:cNvPr id="3" name="Content Placeholder 2">
             <a:extLst>
               <a:ext uri="{FF2B5EF4-FFF2-40B4-BE49-F238E27FC236}">
-                <a16:creationId xmlns="" xmlns:a16="http://schemas.microsoft.com/office/drawing/2014/main" id="{8FD3E7E3-6406-4C87-9E06-5BA40AA66E22}"/>
+                <a16:creationId xmlns:a16="http://schemas.microsoft.com/office/drawing/2014/main" xmlns="" id="{8FD3E7E3-6406-4C87-9E06-5BA40AA66E22}"/>
               </a:ext>
             </a:extLst>
           </p:cNvPr>
@@ -45183,7 +45213,7 @@
           <p:cNvPr id="22" name="Content Placeholder 2">
             <a:extLst>
               <a:ext uri="{FF2B5EF4-FFF2-40B4-BE49-F238E27FC236}">
-                <a16:creationId xmlns="" xmlns:a16="http://schemas.microsoft.com/office/drawing/2014/main" id="{8FD3E7E3-6406-4C87-9E06-5BA40AA66E22}"/>
+                <a16:creationId xmlns:a16="http://schemas.microsoft.com/office/drawing/2014/main" xmlns="" id="{8FD3E7E3-6406-4C87-9E06-5BA40AA66E22}"/>
               </a:ext>
             </a:extLst>
           </p:cNvPr>
@@ -45419,7 +45449,7 @@
           <p:cNvPr id="5" name="Rectangle 4">
             <a:extLst>
               <a:ext uri="{FF2B5EF4-FFF2-40B4-BE49-F238E27FC236}">
-                <a16:creationId xmlns="" xmlns:a16="http://schemas.microsoft.com/office/drawing/2014/main" id="{00FEE9F7-37E5-469B-A785-1165543765C4}"/>
+                <a16:creationId xmlns:a16="http://schemas.microsoft.com/office/drawing/2014/main" xmlns="" id="{00FEE9F7-37E5-469B-A785-1165543765C4}"/>
               </a:ext>
             </a:extLst>
           </p:cNvPr>
